--- a/10-06-2025/ExerciciosProva.pptx
+++ b/10-06-2025/ExerciciosProva.pptx
@@ -5,10 +5,10 @@
     <p:sldMasterId id="2147483648" r:id="rId1"/>
   </p:sldMasterIdLst>
   <p:notesMasterIdLst>
-    <p:notesMasterId r:id="rId12"/>
+    <p:notesMasterId r:id="rId13"/>
   </p:notesMasterIdLst>
   <p:handoutMasterIdLst>
-    <p:handoutMasterId r:id="rId13"/>
+    <p:handoutMasterId r:id="rId14"/>
   </p:handoutMasterIdLst>
   <p:sldIdLst>
     <p:sldId id="256" r:id="rId3"/>
@@ -17,9 +17,10 @@
     <p:sldId id="260" r:id="rId6"/>
     <p:sldId id="261" r:id="rId7"/>
     <p:sldId id="262" r:id="rId8"/>
-    <p:sldId id="264" r:id="rId9"/>
-    <p:sldId id="265" r:id="rId10"/>
-    <p:sldId id="266" r:id="rId11"/>
+    <p:sldId id="268" r:id="rId9"/>
+    <p:sldId id="269" r:id="rId10"/>
+    <p:sldId id="270" r:id="rId11"/>
+    <p:sldId id="271" r:id="rId12"/>
   </p:sldIdLst>
   <p:sldSz cx="12192000" cy="6858000"/>
   <p:notesSz cx="7103745" cy="10234295"/>
@@ -121,12 +122,12 @@
   <p:extLst>
     <p:ext uri="{EFAFB233-063F-42B5-8137-9DF3F51BA10A}">
       <p15:sldGuideLst xmlns:p15="http://schemas.microsoft.com/office/powerpoint/2012/main">
-        <p15:guide id="1" orient="horz" pos="2165" userDrawn="1">
+        <p15:guide id="1" orient="horz" pos="2205" userDrawn="1">
           <p15:clr>
             <a:srgbClr val="A4A3A4"/>
           </p15:clr>
         </p15:guide>
-        <p15:guide id="2" pos="3836" userDrawn="1">
+        <p15:guide id="2" pos="3833" userDrawn="1">
           <p15:clr>
             <a:srgbClr val="A4A3A4"/>
           </p15:clr>
@@ -4063,6 +4064,372 @@
 </p:sld>
 </file>
 
+<file path=ppt/slides/slide10.xml><?xml version="1.0" encoding="utf-8"?>
+<p:sld xmlns:a="http://schemas.openxmlformats.org/drawingml/2006/main" xmlns:r="http://schemas.openxmlformats.org/officeDocument/2006/relationships" xmlns:p="http://schemas.openxmlformats.org/presentationml/2006/main">
+  <p:cSld>
+    <p:spTree>
+      <p:nvGrpSpPr>
+        <p:cNvPr id="1" name=""/>
+        <p:cNvGrpSpPr/>
+        <p:nvPr/>
+      </p:nvGrpSpPr>
+      <p:grpSpPr/>
+      <p:sp>
+        <p:nvSpPr>
+          <p:cNvPr id="4" name="Caixa de Texto 3"/>
+          <p:cNvSpPr txBox="1"/>
+          <p:nvPr/>
+        </p:nvSpPr>
+        <p:spPr>
+          <a:xfrm>
+            <a:off x="117475" y="306070"/>
+            <a:ext cx="11956415" cy="1938020"/>
+          </a:xfrm>
+          <a:prstGeom prst="rect">
+            <a:avLst/>
+          </a:prstGeom>
+        </p:spPr>
+        <p:txBody>
+          <a:bodyPr wrap="square">
+            <a:spAutoFit/>
+          </a:bodyPr>
+          <a:p>
+            <a:r>
+              <a:rPr lang="en-US" altLang="zh-CN" sz="2400">
+                <a:solidFill>
+                  <a:srgbClr val="3B3B3B"/>
+                </a:solidFill>
+                <a:latin typeface="Calibri" panose="020F0502020204030204"/>
+                <a:ea typeface="Calibri" panose="020F0502020204030204"/>
+              </a:rPr>
+              <a:t>3. (2,0) Implemente uma função de espalhamento para </a:t>
+            </a:r>
+            <a:r>
+              <a:rPr lang="en-US" altLang="zh-CN" sz="2400" i="1">
+                <a:solidFill>
+                  <a:srgbClr val="3B3B3B"/>
+                </a:solidFill>
+                <a:latin typeface="Calibri-Italic"/>
+                <a:ea typeface="Calibri-Italic"/>
+              </a:rPr>
+              <a:t>strings </a:t>
+            </a:r>
+            <a:r>
+              <a:rPr lang="en-US" altLang="zh-CN" sz="2400">
+                <a:solidFill>
+                  <a:srgbClr val="3B3B3B"/>
+                </a:solidFill>
+                <a:latin typeface="Cambria Math" panose="02040503050406030204"/>
+                <a:ea typeface="Cambria Math" panose="02040503050406030204"/>
+              </a:rPr>
+              <a:t>ℎ(</a:t>
+            </a:r>
+            <a:r>
+              <a:rPr lang="zh-CN" altLang="en-US" sz="2400">
+                <a:solidFill>
+                  <a:srgbClr val="3B3B3B"/>
+                </a:solidFill>
+                <a:latin typeface="Cambria Math" panose="02040503050406030204"/>
+                <a:ea typeface="Cambria Math" panose="02040503050406030204"/>
+              </a:rPr>
+              <a:t>𝑥</a:t>
+            </a:r>
+            <a:r>
+              <a:rPr lang="en-US" altLang="zh-CN" sz="2400">
+                <a:solidFill>
+                  <a:srgbClr val="3B3B3B"/>
+                </a:solidFill>
+                <a:latin typeface="Cambria Math" panose="02040503050406030204"/>
+                <a:ea typeface="Cambria Math" panose="02040503050406030204"/>
+              </a:rPr>
+              <a:t>) </a:t>
+            </a:r>
+            <a:r>
+              <a:rPr lang="en-US" altLang="zh-CN" sz="2400">
+                <a:solidFill>
+                  <a:srgbClr val="3B3B3B"/>
+                </a:solidFill>
+                <a:latin typeface="Times New Roman" panose="02020603050405020304"/>
+                <a:ea typeface="Times New Roman" panose="02020603050405020304"/>
+              </a:rPr>
+              <a:t>tal que </a:t>
+            </a:r>
+            <a:r>
+              <a:rPr lang="en-US" altLang="zh-CN" sz="2400">
+                <a:solidFill>
+                  <a:srgbClr val="3B3B3B"/>
+                </a:solidFill>
+                <a:latin typeface="Cambria Math" panose="02040503050406030204"/>
+                <a:ea typeface="Cambria Math" panose="02040503050406030204"/>
+              </a:rPr>
+              <a:t>ℎ(</a:t>
+            </a:r>
+            <a:r>
+              <a:rPr lang="zh-CN" altLang="en-US" sz="2400">
+                <a:solidFill>
+                  <a:srgbClr val="3B3B3B"/>
+                </a:solidFill>
+                <a:latin typeface="Cambria Math" panose="02040503050406030204"/>
+                <a:ea typeface="Cambria Math" panose="02040503050406030204"/>
+              </a:rPr>
+              <a:t>𝑥</a:t>
+            </a:r>
+            <a:r>
+              <a:rPr lang="en-US" altLang="zh-CN" sz="2400">
+                <a:solidFill>
+                  <a:srgbClr val="3B3B3B"/>
+                </a:solidFill>
+                <a:latin typeface="Cambria Math" panose="02040503050406030204"/>
+                <a:ea typeface="Cambria Math" panose="02040503050406030204"/>
+              </a:rPr>
+              <a:t>) = ∑ </a:t>
+            </a:r>
+            <a:r>
+              <a:rPr lang="zh-CN" altLang="en-US" sz="1600">
+                <a:solidFill>
+                  <a:srgbClr val="3B3B3B"/>
+                </a:solidFill>
+                <a:latin typeface="Cambria Math" panose="02040503050406030204"/>
+                <a:ea typeface="Cambria Math" panose="02040503050406030204"/>
+              </a:rPr>
+              <a:t>𝑁 𝑖</a:t>
+            </a:r>
+            <a:r>
+              <a:rPr lang="en-US" altLang="zh-CN" sz="1600">
+                <a:solidFill>
+                  <a:srgbClr val="3B3B3B"/>
+                </a:solidFill>
+                <a:latin typeface="Cambria Math" panose="02040503050406030204"/>
+                <a:ea typeface="Cambria Math" panose="02040503050406030204"/>
+              </a:rPr>
+              <a:t>= − 0 1 </a:t>
+            </a:r>
+            <a:r>
+              <a:rPr lang="zh-CN" altLang="en-US" sz="2400">
+                <a:solidFill>
+                  <a:srgbClr val="3B3B3B"/>
+                </a:solidFill>
+                <a:latin typeface="Cambria Math" panose="02040503050406030204"/>
+                <a:ea typeface="Cambria Math" panose="02040503050406030204"/>
+              </a:rPr>
+              <a:t>𝑖𝑥</a:t>
+            </a:r>
+            <a:r>
+              <a:rPr lang="zh-CN" altLang="en-US" sz="1600">
+                <a:solidFill>
+                  <a:srgbClr val="3B3B3B"/>
+                </a:solidFill>
+                <a:latin typeface="Cambria Math" panose="02040503050406030204"/>
+                <a:ea typeface="Cambria Math" panose="02040503050406030204"/>
+              </a:rPr>
+              <a:t>𝑖 </a:t>
+            </a:r>
+            <a:r>
+              <a:rPr lang="en-US" altLang="zh-CN" sz="2400">
+                <a:solidFill>
+                  <a:srgbClr val="3B3B3B"/>
+                </a:solidFill>
+                <a:latin typeface="Times New Roman" panose="02020603050405020304"/>
+                <a:ea typeface="Times New Roman" panose="02020603050405020304"/>
+              </a:rPr>
+              <a:t>, em que </a:t>
+            </a:r>
+            <a:r>
+              <a:rPr lang="en-US" altLang="zh-CN" sz="2400" i="1">
+                <a:solidFill>
+                  <a:srgbClr val="3B3B3B"/>
+                </a:solidFill>
+                <a:latin typeface="TimesNewRomanPS-ItalicMT"/>
+                <a:ea typeface="TimesNewRomanPS-ItalicMT"/>
+              </a:rPr>
+              <a:t>i </a:t>
+            </a:r>
+            <a:endParaRPr lang="en-US" altLang="zh-CN" sz="2400" i="1">
+              <a:solidFill>
+                <a:srgbClr val="3B3B3B"/>
+              </a:solidFill>
+              <a:latin typeface="TimesNewRomanPS-ItalicMT"/>
+              <a:ea typeface="TimesNewRomanPS-ItalicMT"/>
+            </a:endParaRPr>
+          </a:p>
+          <a:p>
+            <a:r>
+              <a:rPr lang="en-US" altLang="zh-CN" sz="2400">
+                <a:solidFill>
+                  <a:srgbClr val="3B3B3B"/>
+                </a:solidFill>
+                <a:latin typeface="Times New Roman" panose="02020603050405020304"/>
+                <a:ea typeface="Times New Roman" panose="02020603050405020304"/>
+              </a:rPr>
+              <a:t>representa o </a:t>
+            </a:r>
+            <a:r>
+              <a:rPr lang="en-US" altLang="zh-CN" sz="2400">
+                <a:solidFill>
+                  <a:srgbClr val="3B3B3B"/>
+                </a:solidFill>
+                <a:latin typeface="Cambria Math" panose="02040503050406030204"/>
+                <a:ea typeface="Cambria Math" panose="02040503050406030204"/>
+              </a:rPr>
+              <a:t>í</a:t>
+            </a:r>
+            <a:r>
+              <a:rPr lang="en-US" altLang="zh-CN" sz="2400">
+                <a:solidFill>
+                  <a:srgbClr val="3B3B3B"/>
+                </a:solidFill>
+                <a:latin typeface="Times New Roman" panose="02020603050405020304"/>
+                <a:ea typeface="Times New Roman" panose="02020603050405020304"/>
+              </a:rPr>
+              <a:t>ndice de cada caractere em uma </a:t>
+            </a:r>
+            <a:r>
+              <a:rPr lang="en-US" altLang="zh-CN" sz="2400" i="1">
+                <a:solidFill>
+                  <a:srgbClr val="3B3B3B"/>
+                </a:solidFill>
+                <a:latin typeface="TimesNewRomanPS-ItalicMT"/>
+                <a:ea typeface="TimesNewRomanPS-ItalicMT"/>
+              </a:rPr>
+              <a:t>string </a:t>
+            </a:r>
+            <a:r>
+              <a:rPr lang="zh-CN" altLang="en-US" sz="2400">
+                <a:solidFill>
+                  <a:srgbClr val="3B3B3B"/>
+                </a:solidFill>
+                <a:latin typeface="Cambria Math" panose="02040503050406030204"/>
+                <a:ea typeface="Cambria Math" panose="02040503050406030204"/>
+              </a:rPr>
+              <a:t>𝑥 </a:t>
+            </a:r>
+            <a:r>
+              <a:rPr lang="en-US" altLang="zh-CN" sz="2400">
+                <a:solidFill>
+                  <a:srgbClr val="3B3B3B"/>
+                </a:solidFill>
+                <a:latin typeface="Times New Roman" panose="02020603050405020304"/>
+                <a:ea typeface="Times New Roman" panose="02020603050405020304"/>
+              </a:rPr>
+              <a:t>de comprimento </a:t>
+            </a:r>
+            <a:r>
+              <a:rPr lang="zh-CN" altLang="en-US" sz="2400">
+                <a:solidFill>
+                  <a:srgbClr val="3B3B3B"/>
+                </a:solidFill>
+                <a:latin typeface="Cambria Math" panose="02040503050406030204"/>
+                <a:ea typeface="Cambria Math" panose="02040503050406030204"/>
+              </a:rPr>
+              <a:t>𝑁 </a:t>
+            </a:r>
+            <a:r>
+              <a:rPr lang="en-US" altLang="zh-CN" sz="2400">
+                <a:solidFill>
+                  <a:srgbClr val="3B3B3B"/>
+                </a:solidFill>
+                <a:latin typeface="Cambria Math" panose="02040503050406030204"/>
+                <a:ea typeface="Cambria Math" panose="02040503050406030204"/>
+              </a:rPr>
+              <a:t>− 1</a:t>
+            </a:r>
+            <a:r>
+              <a:rPr lang="en-US" altLang="zh-CN" sz="2400">
+                <a:solidFill>
+                  <a:srgbClr val="3B3B3B"/>
+                </a:solidFill>
+                <a:latin typeface="Times New Roman" panose="02020603050405020304"/>
+                <a:ea typeface="Times New Roman" panose="02020603050405020304"/>
+              </a:rPr>
+              <a:t>. </a:t>
+            </a:r>
+            <a:r>
+              <a:rPr lang="en-US" altLang="zh-CN" sz="2400">
+                <a:solidFill>
+                  <a:srgbClr val="3B3B3B"/>
+                </a:solidFill>
+                <a:latin typeface="Calibri" panose="020F0502020204030204"/>
+                <a:ea typeface="Calibri" panose="020F0502020204030204"/>
+              </a:rPr>
+              <a:t>A função deve fazer a </a:t>
+            </a:r>
+            <a:endParaRPr lang="en-US" altLang="zh-CN" sz="2400">
+              <a:solidFill>
+                <a:srgbClr val="3B3B3B"/>
+              </a:solidFill>
+              <a:latin typeface="Calibri" panose="020F0502020204030204"/>
+              <a:ea typeface="Calibri" panose="020F0502020204030204"/>
+            </a:endParaRPr>
+          </a:p>
+          <a:p>
+            <a:r>
+              <a:rPr lang="en-US" altLang="zh-CN" sz="2400">
+                <a:solidFill>
+                  <a:srgbClr val="3B3B3B"/>
+                </a:solidFill>
+                <a:latin typeface="Calibri" panose="020F0502020204030204"/>
+                <a:ea typeface="Calibri" panose="020F0502020204030204"/>
+              </a:rPr>
+              <a:t>normalização de </a:t>
+            </a:r>
+            <a:r>
+              <a:rPr lang="en-US" altLang="zh-CN" sz="2400">
+                <a:solidFill>
+                  <a:srgbClr val="3B3B3B"/>
+                </a:solidFill>
+                <a:latin typeface="Cambria Math" panose="02040503050406030204"/>
+                <a:ea typeface="Cambria Math" panose="02040503050406030204"/>
+              </a:rPr>
+              <a:t>ℎ(</a:t>
+            </a:r>
+            <a:r>
+              <a:rPr lang="zh-CN" altLang="en-US" sz="2400">
+                <a:solidFill>
+                  <a:srgbClr val="3B3B3B"/>
+                </a:solidFill>
+                <a:latin typeface="Cambria Math" panose="02040503050406030204"/>
+                <a:ea typeface="Cambria Math" panose="02040503050406030204"/>
+              </a:rPr>
+              <a:t>𝑥</a:t>
+            </a:r>
+            <a:r>
+              <a:rPr lang="en-US" altLang="zh-CN" sz="2400">
+                <a:solidFill>
+                  <a:srgbClr val="3B3B3B"/>
+                </a:solidFill>
+                <a:latin typeface="Cambria Math" panose="02040503050406030204"/>
+                <a:ea typeface="Cambria Math" panose="02040503050406030204"/>
+              </a:rPr>
+              <a:t>) </a:t>
+            </a:r>
+            <a:r>
+              <a:rPr lang="en-US" altLang="zh-CN" sz="2400">
+                <a:solidFill>
+                  <a:srgbClr val="3B3B3B"/>
+                </a:solidFill>
+                <a:latin typeface="Calibri" panose="020F0502020204030204"/>
+                <a:ea typeface="Calibri" panose="020F0502020204030204"/>
+              </a:rPr>
+              <a:t>para o tamanho da tabela de dispersão utilizada.</a:t>
+            </a:r>
+            <a:endParaRPr lang="en-US" altLang="zh-CN" sz="2400">
+              <a:solidFill>
+                <a:srgbClr val="3B3B3B"/>
+              </a:solidFill>
+              <a:latin typeface="Calibri" panose="020F0502020204030204"/>
+              <a:ea typeface="Calibri" panose="020F0502020204030204"/>
+            </a:endParaRPr>
+          </a:p>
+        </p:txBody>
+      </p:sp>
+    </p:spTree>
+  </p:cSld>
+  <p:clrMapOvr>
+    <a:masterClrMapping/>
+  </p:clrMapOvr>
+</p:sld>
+</file>
+
 <file path=ppt/slides/slide2.xml><?xml version="1.0" encoding="utf-8"?>
 <p:sld xmlns:a="http://schemas.openxmlformats.org/drawingml/2006/main" xmlns:r="http://schemas.openxmlformats.org/officeDocument/2006/relationships" xmlns:p="http://schemas.openxmlformats.org/presentationml/2006/main">
   <p:cSld>
@@ -12770,7 +13137,7 @@
             <a:pPr algn="ctr"/>
             <a:r>
               <a:rPr lang="pt-BR" altLang="en-US"/>
-              <a:t>I</a:t>
+              <a:t>L</a:t>
             </a:r>
             <a:endParaRPr lang="pt-BR" altLang="en-US"/>
           </a:p>
@@ -12911,52 +13278,6 @@
         <p:spPr>
           <a:xfrm>
             <a:off x="6299835" y="2508250"/>
-            <a:ext cx="417195" cy="351790"/>
-          </a:xfrm>
-          <a:prstGeom prst="rect">
-            <a:avLst/>
-          </a:prstGeom>
-          <a:ln>
-            <a:solidFill>
-              <a:schemeClr val="tx1"/>
-            </a:solidFill>
-          </a:ln>
-        </p:spPr>
-        <p:style>
-          <a:lnRef idx="2">
-            <a:schemeClr val="accent1"/>
-          </a:lnRef>
-          <a:fillRef idx="0">
-            <a:srgbClr val="FFFFFF"/>
-          </a:fillRef>
-          <a:effectRef idx="0">
-            <a:srgbClr val="FFFFFF"/>
-          </a:effectRef>
-          <a:fontRef idx="minor">
-            <a:schemeClr val="tx1"/>
-          </a:fontRef>
-        </p:style>
-        <p:txBody>
-          <a:bodyPr rtlCol="0" anchor="ctr"/>
-          <a:p>
-            <a:pPr algn="ctr"/>
-            <a:r>
-              <a:rPr lang="pt-BR" altLang="en-US"/>
-              <a:t>L</a:t>
-            </a:r>
-            <a:endParaRPr lang="pt-BR" altLang="en-US"/>
-          </a:p>
-        </p:txBody>
-      </p:sp>
-      <p:sp>
-        <p:nvSpPr>
-          <p:cNvPr id="22" name="Retângulo 21"/>
-          <p:cNvSpPr/>
-          <p:nvPr/>
-        </p:nvSpPr>
-        <p:spPr>
-          <a:xfrm>
-            <a:off x="6717030" y="2508250"/>
             <a:ext cx="417195" cy="351790"/>
           </a:xfrm>
           <a:prstGeom prst="rect">
@@ -12996,13 +13317,13 @@
       </p:sp>
       <p:sp>
         <p:nvSpPr>
-          <p:cNvPr id="23" name="Retângulo 22"/>
-          <p:cNvSpPr/>
-          <p:nvPr/>
-        </p:nvSpPr>
-        <p:spPr>
-          <a:xfrm>
-            <a:off x="7134225" y="2508250"/>
+          <p:cNvPr id="22" name="Retângulo 21"/>
+          <p:cNvSpPr/>
+          <p:nvPr/>
+        </p:nvSpPr>
+        <p:spPr>
+          <a:xfrm>
+            <a:off x="6717030" y="2508250"/>
             <a:ext cx="417195" cy="351790"/>
           </a:xfrm>
           <a:prstGeom prst="rect">
@@ -13042,13 +13363,13 @@
       </p:sp>
       <p:sp>
         <p:nvSpPr>
-          <p:cNvPr id="24" name="Retângulo 23"/>
-          <p:cNvSpPr/>
-          <p:nvPr/>
-        </p:nvSpPr>
-        <p:spPr>
-          <a:xfrm>
-            <a:off x="7551420" y="2508250"/>
+          <p:cNvPr id="23" name="Retângulo 22"/>
+          <p:cNvSpPr/>
+          <p:nvPr/>
+        </p:nvSpPr>
+        <p:spPr>
+          <a:xfrm>
+            <a:off x="7134225" y="2508250"/>
             <a:ext cx="417195" cy="351790"/>
           </a:xfrm>
           <a:prstGeom prst="rect">
@@ -13088,6 +13409,48 @@
       </p:sp>
       <p:sp>
         <p:nvSpPr>
+          <p:cNvPr id="24" name="Retângulo 23"/>
+          <p:cNvSpPr/>
+          <p:nvPr/>
+        </p:nvSpPr>
+        <p:spPr>
+          <a:xfrm>
+            <a:off x="7551420" y="2508250"/>
+            <a:ext cx="417195" cy="351790"/>
+          </a:xfrm>
+          <a:prstGeom prst="rect">
+            <a:avLst/>
+          </a:prstGeom>
+          <a:ln>
+            <a:solidFill>
+              <a:schemeClr val="tx1"/>
+            </a:solidFill>
+          </a:ln>
+        </p:spPr>
+        <p:style>
+          <a:lnRef idx="2">
+            <a:schemeClr val="accent1"/>
+          </a:lnRef>
+          <a:fillRef idx="0">
+            <a:srgbClr val="FFFFFF"/>
+          </a:fillRef>
+          <a:effectRef idx="0">
+            <a:srgbClr val="FFFFFF"/>
+          </a:effectRef>
+          <a:fontRef idx="minor">
+            <a:schemeClr val="tx1"/>
+          </a:fontRef>
+        </p:style>
+        <p:txBody>
+          <a:bodyPr rtlCol="0" anchor="ctr"/>
+          <a:p>
+            <a:pPr algn="ctr"/>
+            <a:endParaRPr lang="pt-BR" altLang="en-US"/>
+          </a:p>
+        </p:txBody>
+      </p:sp>
+      <p:sp>
+        <p:nvSpPr>
           <p:cNvPr id="25" name="Retângulo 24"/>
           <p:cNvSpPr/>
           <p:nvPr/>
@@ -13170,6 +13533,10 @@
           <a:bodyPr rtlCol="0" anchor="ctr"/>
           <a:p>
             <a:pPr algn="ctr"/>
+            <a:r>
+              <a:rPr lang="pt-BR" altLang="en-US"/>
+              <a:t>I</a:t>
+            </a:r>
             <a:endParaRPr lang="pt-BR" altLang="en-US"/>
           </a:p>
         </p:txBody>
@@ -13450,7 +13817,7 @@
         </p:nvSpPr>
         <p:spPr>
           <a:xfrm>
-            <a:off x="2674620" y="3679190"/>
+            <a:off x="1923415" y="5035550"/>
             <a:ext cx="417195" cy="351790"/>
           </a:xfrm>
           <a:prstGeom prst="rect">
@@ -13496,7 +13863,7 @@
         </p:nvSpPr>
         <p:spPr>
           <a:xfrm>
-            <a:off x="3091815" y="3679190"/>
+            <a:off x="2340610" y="5035550"/>
             <a:ext cx="417195" cy="351790"/>
           </a:xfrm>
           <a:prstGeom prst="rect">
@@ -13542,7 +13909,7 @@
         </p:nvSpPr>
         <p:spPr>
           <a:xfrm>
-            <a:off x="3509010" y="3679190"/>
+            <a:off x="2757805" y="5035550"/>
             <a:ext cx="417195" cy="351790"/>
           </a:xfrm>
           <a:prstGeom prst="rect">
@@ -13584,7 +13951,7 @@
         </p:nvSpPr>
         <p:spPr>
           <a:xfrm>
-            <a:off x="3926205" y="3679190"/>
+            <a:off x="3175000" y="5035550"/>
             <a:ext cx="417195" cy="351790"/>
           </a:xfrm>
           <a:prstGeom prst="rect">
@@ -13802,7 +14169,7 @@
         </p:nvSpPr>
         <p:spPr>
           <a:xfrm>
-            <a:off x="3951605" y="4709160"/>
+            <a:off x="2966085" y="4140200"/>
             <a:ext cx="417195" cy="351790"/>
           </a:xfrm>
           <a:prstGeom prst="rect">
@@ -13848,7 +14215,7 @@
         </p:nvSpPr>
         <p:spPr>
           <a:xfrm>
-            <a:off x="4368800" y="4709160"/>
+            <a:off x="3383280" y="4140200"/>
             <a:ext cx="417195" cy="351790"/>
           </a:xfrm>
           <a:prstGeom prst="rect">
@@ -13894,7 +14261,7 @@
         </p:nvSpPr>
         <p:spPr>
           <a:xfrm>
-            <a:off x="4785995" y="4709160"/>
+            <a:off x="3800475" y="4140200"/>
             <a:ext cx="417195" cy="351790"/>
           </a:xfrm>
           <a:prstGeom prst="rect">
@@ -13936,7 +14303,7 @@
         </p:nvSpPr>
         <p:spPr>
           <a:xfrm>
-            <a:off x="5203190" y="4709160"/>
+            <a:off x="4217670" y="4140200"/>
             <a:ext cx="417195" cy="351790"/>
           </a:xfrm>
           <a:prstGeom prst="rect">
@@ -14585,15 +14952,15 @@
         <p:nvCxnSpPr>
           <p:cNvPr id="72" name="Conector de Seta Reta 71"/>
           <p:cNvCxnSpPr>
-            <a:stCxn id="21" idx="2"/>
+            <a:stCxn id="26" idx="2"/>
             <a:endCxn id="49" idx="0"/>
           </p:cNvCxnSpPr>
           <p:nvPr/>
         </p:nvCxnSpPr>
         <p:spPr>
-          <a:xfrm flipH="1">
-            <a:off x="4160520" y="2860040"/>
-            <a:ext cx="2348230" cy="1849120"/>
+          <a:xfrm>
+            <a:off x="1939290" y="2860040"/>
+            <a:ext cx="1235710" cy="1280160"/>
           </a:xfrm>
           <a:prstGeom prst="straightConnector1">
             <a:avLst/>
@@ -14624,15 +14991,15 @@
         <p:nvCxnSpPr>
           <p:cNvPr id="73" name="Conector de Seta Reta 72"/>
           <p:cNvCxnSpPr>
-            <a:stCxn id="22" idx="2"/>
+            <a:stCxn id="21" idx="2"/>
             <a:endCxn id="53" idx="0"/>
           </p:cNvCxnSpPr>
           <p:nvPr/>
         </p:nvCxnSpPr>
         <p:spPr>
-          <a:xfrm flipH="1">
-            <a:off x="6821170" y="2860040"/>
-            <a:ext cx="104775" cy="1849120"/>
+          <a:xfrm>
+            <a:off x="6508750" y="2860040"/>
+            <a:ext cx="312420" cy="1849120"/>
           </a:xfrm>
           <a:prstGeom prst="straightConnector1">
             <a:avLst/>
@@ -14742,13 +15109,14 @@
           <p:cNvPr id="77" name="Conector de Seta Reta 76"/>
           <p:cNvCxnSpPr>
             <a:stCxn id="25" idx="2"/>
+            <a:endCxn id="41" idx="0"/>
           </p:cNvCxnSpPr>
           <p:nvPr/>
         </p:nvCxnSpPr>
         <p:spPr>
           <a:xfrm>
             <a:off x="1522095" y="2860040"/>
-            <a:ext cx="1361440" cy="819150"/>
+            <a:ext cx="610235" cy="2175510"/>
           </a:xfrm>
           <a:prstGeom prst="straightConnector1">
             <a:avLst/>
@@ -14779,15 +15147,15 @@
         <p:nvCxnSpPr>
           <p:cNvPr id="79" name="Conector de Seta Reta 78"/>
           <p:cNvCxnSpPr>
-            <a:stCxn id="23" idx="2"/>
+            <a:stCxn id="22" idx="2"/>
             <a:endCxn id="57" idx="0"/>
           </p:cNvCxnSpPr>
           <p:nvPr/>
         </p:nvCxnSpPr>
         <p:spPr>
           <a:xfrm>
-            <a:off x="7343140" y="2860040"/>
-            <a:ext cx="1619250" cy="1497330"/>
+            <a:off x="6925945" y="2860040"/>
+            <a:ext cx="2036445" cy="1497330"/>
           </a:xfrm>
           <a:prstGeom prst="straightConnector1">
             <a:avLst/>
@@ -14818,15 +15186,15 @@
         <p:nvCxnSpPr>
           <p:cNvPr id="80" name="Conector de Seta Reta 79"/>
           <p:cNvCxnSpPr>
-            <a:stCxn id="24" idx="2"/>
+            <a:stCxn id="23" idx="2"/>
             <a:endCxn id="65" idx="0"/>
           </p:cNvCxnSpPr>
           <p:nvPr/>
         </p:nvCxnSpPr>
         <p:spPr>
           <a:xfrm>
-            <a:off x="7760335" y="2860040"/>
-            <a:ext cx="2563495" cy="819150"/>
+            <a:off x="7343140" y="2860040"/>
+            <a:ext cx="2980690" cy="819150"/>
           </a:xfrm>
           <a:prstGeom prst="straightConnector1">
             <a:avLst/>
@@ -15011,7 +15379,7 @@
             <a:pPr algn="ctr"/>
             <a:r>
               <a:rPr lang="pt-BR" altLang="en-US"/>
-              <a:t>I</a:t>
+              <a:t>L</a:t>
             </a:r>
             <a:endParaRPr lang="pt-BR" altLang="en-US"/>
           </a:p>
@@ -15152,52 +15520,6 @@
         <p:spPr>
           <a:xfrm>
             <a:off x="6299835" y="2508250"/>
-            <a:ext cx="417195" cy="351790"/>
-          </a:xfrm>
-          <a:prstGeom prst="rect">
-            <a:avLst/>
-          </a:prstGeom>
-          <a:ln>
-            <a:solidFill>
-              <a:schemeClr val="tx1"/>
-            </a:solidFill>
-          </a:ln>
-        </p:spPr>
-        <p:style>
-          <a:lnRef idx="2">
-            <a:schemeClr val="accent1"/>
-          </a:lnRef>
-          <a:fillRef idx="0">
-            <a:srgbClr val="FFFFFF"/>
-          </a:fillRef>
-          <a:effectRef idx="0">
-            <a:srgbClr val="FFFFFF"/>
-          </a:effectRef>
-          <a:fontRef idx="minor">
-            <a:schemeClr val="tx1"/>
-          </a:fontRef>
-        </p:style>
-        <p:txBody>
-          <a:bodyPr rtlCol="0" anchor="ctr"/>
-          <a:p>
-            <a:pPr algn="ctr"/>
-            <a:r>
-              <a:rPr lang="pt-BR" altLang="en-US"/>
-              <a:t>L</a:t>
-            </a:r>
-            <a:endParaRPr lang="pt-BR" altLang="en-US"/>
-          </a:p>
-        </p:txBody>
-      </p:sp>
-      <p:sp>
-        <p:nvSpPr>
-          <p:cNvPr id="22" name="Retângulo 21"/>
-          <p:cNvSpPr/>
-          <p:nvPr/>
-        </p:nvSpPr>
-        <p:spPr>
-          <a:xfrm>
-            <a:off x="6717030" y="2508250"/>
             <a:ext cx="417195" cy="351790"/>
           </a:xfrm>
           <a:prstGeom prst="rect">
@@ -15237,13 +15559,13 @@
       </p:sp>
       <p:sp>
         <p:nvSpPr>
-          <p:cNvPr id="23" name="Retângulo 22"/>
-          <p:cNvSpPr/>
-          <p:nvPr/>
-        </p:nvSpPr>
-        <p:spPr>
-          <a:xfrm>
-            <a:off x="7134225" y="2508250"/>
+          <p:cNvPr id="22" name="Retângulo 21"/>
+          <p:cNvSpPr/>
+          <p:nvPr/>
+        </p:nvSpPr>
+        <p:spPr>
+          <a:xfrm>
+            <a:off x="6717030" y="2508250"/>
             <a:ext cx="417195" cy="351790"/>
           </a:xfrm>
           <a:prstGeom prst="rect">
@@ -15283,6 +15605,48 @@
       </p:sp>
       <p:sp>
         <p:nvSpPr>
+          <p:cNvPr id="23" name="Retângulo 22"/>
+          <p:cNvSpPr/>
+          <p:nvPr/>
+        </p:nvSpPr>
+        <p:spPr>
+          <a:xfrm>
+            <a:off x="7134225" y="2508250"/>
+            <a:ext cx="417195" cy="351790"/>
+          </a:xfrm>
+          <a:prstGeom prst="rect">
+            <a:avLst/>
+          </a:prstGeom>
+          <a:ln>
+            <a:solidFill>
+              <a:schemeClr val="tx1"/>
+            </a:solidFill>
+          </a:ln>
+        </p:spPr>
+        <p:style>
+          <a:lnRef idx="2">
+            <a:schemeClr val="accent1"/>
+          </a:lnRef>
+          <a:fillRef idx="0">
+            <a:srgbClr val="FFFFFF"/>
+          </a:fillRef>
+          <a:effectRef idx="0">
+            <a:srgbClr val="FFFFFF"/>
+          </a:effectRef>
+          <a:fontRef idx="minor">
+            <a:schemeClr val="tx1"/>
+          </a:fontRef>
+        </p:style>
+        <p:txBody>
+          <a:bodyPr rtlCol="0" anchor="ctr"/>
+          <a:p>
+            <a:pPr algn="ctr"/>
+            <a:endParaRPr lang="pt-BR" altLang="en-US"/>
+          </a:p>
+        </p:txBody>
+      </p:sp>
+      <p:sp>
+        <p:nvSpPr>
           <p:cNvPr id="24" name="Retângulo 23"/>
           <p:cNvSpPr/>
           <p:nvPr/>
@@ -15290,6 +15654,1212 @@
         <p:spPr>
           <a:xfrm>
             <a:off x="7551420" y="2508250"/>
+            <a:ext cx="417195" cy="351790"/>
+          </a:xfrm>
+          <a:prstGeom prst="rect">
+            <a:avLst/>
+          </a:prstGeom>
+          <a:ln>
+            <a:solidFill>
+              <a:schemeClr val="tx1"/>
+            </a:solidFill>
+          </a:ln>
+        </p:spPr>
+        <p:style>
+          <a:lnRef idx="2">
+            <a:schemeClr val="accent1"/>
+          </a:lnRef>
+          <a:fillRef idx="0">
+            <a:srgbClr val="FFFFFF"/>
+          </a:fillRef>
+          <a:effectRef idx="0">
+            <a:srgbClr val="FFFFFF"/>
+          </a:effectRef>
+          <a:fontRef idx="minor">
+            <a:schemeClr val="tx1"/>
+          </a:fontRef>
+        </p:style>
+        <p:txBody>
+          <a:bodyPr rtlCol="0" anchor="ctr"/>
+          <a:p>
+            <a:pPr algn="ctr"/>
+            <a:endParaRPr lang="pt-BR" altLang="en-US"/>
+          </a:p>
+        </p:txBody>
+      </p:sp>
+      <p:sp>
+        <p:nvSpPr>
+          <p:cNvPr id="25" name="Retângulo 24"/>
+          <p:cNvSpPr/>
+          <p:nvPr/>
+        </p:nvSpPr>
+        <p:spPr>
+          <a:xfrm>
+            <a:off x="1313180" y="2508250"/>
+            <a:ext cx="417195" cy="351790"/>
+          </a:xfrm>
+          <a:prstGeom prst="rect">
+            <a:avLst/>
+          </a:prstGeom>
+          <a:ln>
+            <a:solidFill>
+              <a:schemeClr val="tx1"/>
+            </a:solidFill>
+          </a:ln>
+        </p:spPr>
+        <p:style>
+          <a:lnRef idx="2">
+            <a:schemeClr val="accent1"/>
+          </a:lnRef>
+          <a:fillRef idx="0">
+            <a:srgbClr val="FFFFFF"/>
+          </a:fillRef>
+          <a:effectRef idx="0">
+            <a:srgbClr val="FFFFFF"/>
+          </a:effectRef>
+          <a:fontRef idx="minor">
+            <a:schemeClr val="tx1"/>
+          </a:fontRef>
+        </p:style>
+        <p:txBody>
+          <a:bodyPr rtlCol="0" anchor="ctr"/>
+          <a:p>
+            <a:pPr algn="ctr"/>
+            <a:r>
+              <a:rPr lang="pt-BR" altLang="en-US"/>
+              <a:t>F</a:t>
+            </a:r>
+            <a:endParaRPr lang="pt-BR" altLang="en-US"/>
+          </a:p>
+        </p:txBody>
+      </p:sp>
+      <p:sp>
+        <p:nvSpPr>
+          <p:cNvPr id="26" name="Retângulo 25"/>
+          <p:cNvSpPr/>
+          <p:nvPr/>
+        </p:nvSpPr>
+        <p:spPr>
+          <a:xfrm>
+            <a:off x="1730375" y="2508250"/>
+            <a:ext cx="417195" cy="351790"/>
+          </a:xfrm>
+          <a:prstGeom prst="rect">
+            <a:avLst/>
+          </a:prstGeom>
+          <a:ln>
+            <a:solidFill>
+              <a:schemeClr val="tx1"/>
+            </a:solidFill>
+          </a:ln>
+        </p:spPr>
+        <p:style>
+          <a:lnRef idx="2">
+            <a:schemeClr val="accent1"/>
+          </a:lnRef>
+          <a:fillRef idx="0">
+            <a:srgbClr val="FFFFFF"/>
+          </a:fillRef>
+          <a:effectRef idx="0">
+            <a:srgbClr val="FFFFFF"/>
+          </a:effectRef>
+          <a:fontRef idx="minor">
+            <a:schemeClr val="tx1"/>
+          </a:fontRef>
+        </p:style>
+        <p:txBody>
+          <a:bodyPr rtlCol="0" anchor="ctr"/>
+          <a:p>
+            <a:pPr algn="ctr"/>
+            <a:r>
+              <a:rPr lang="pt-BR" altLang="en-US"/>
+              <a:t>I</a:t>
+            </a:r>
+            <a:endParaRPr lang="pt-BR" altLang="en-US"/>
+          </a:p>
+        </p:txBody>
+      </p:sp>
+      <p:sp>
+        <p:nvSpPr>
+          <p:cNvPr id="27" name="Retângulo 26"/>
+          <p:cNvSpPr/>
+          <p:nvPr/>
+        </p:nvSpPr>
+        <p:spPr>
+          <a:xfrm>
+            <a:off x="2147570" y="2508250"/>
+            <a:ext cx="417195" cy="351790"/>
+          </a:xfrm>
+          <a:prstGeom prst="rect">
+            <a:avLst/>
+          </a:prstGeom>
+          <a:ln>
+            <a:solidFill>
+              <a:schemeClr val="tx1"/>
+            </a:solidFill>
+          </a:ln>
+        </p:spPr>
+        <p:style>
+          <a:lnRef idx="2">
+            <a:schemeClr val="accent1"/>
+          </a:lnRef>
+          <a:fillRef idx="0">
+            <a:srgbClr val="FFFFFF"/>
+          </a:fillRef>
+          <a:effectRef idx="0">
+            <a:srgbClr val="FFFFFF"/>
+          </a:effectRef>
+          <a:fontRef idx="minor">
+            <a:schemeClr val="tx1"/>
+          </a:fontRef>
+        </p:style>
+        <p:txBody>
+          <a:bodyPr rtlCol="0" anchor="ctr"/>
+          <a:p>
+            <a:pPr algn="ctr"/>
+            <a:endParaRPr lang="pt-BR" altLang="en-US"/>
+          </a:p>
+        </p:txBody>
+      </p:sp>
+      <p:sp>
+        <p:nvSpPr>
+          <p:cNvPr id="28" name="Retângulo 27"/>
+          <p:cNvSpPr/>
+          <p:nvPr/>
+        </p:nvSpPr>
+        <p:spPr>
+          <a:xfrm>
+            <a:off x="2564765" y="2508250"/>
+            <a:ext cx="417195" cy="351790"/>
+          </a:xfrm>
+          <a:prstGeom prst="rect">
+            <a:avLst/>
+          </a:prstGeom>
+          <a:ln>
+            <a:solidFill>
+              <a:schemeClr val="tx1"/>
+            </a:solidFill>
+          </a:ln>
+        </p:spPr>
+        <p:style>
+          <a:lnRef idx="2">
+            <a:schemeClr val="accent1"/>
+          </a:lnRef>
+          <a:fillRef idx="0">
+            <a:srgbClr val="FFFFFF"/>
+          </a:fillRef>
+          <a:effectRef idx="0">
+            <a:srgbClr val="FFFFFF"/>
+          </a:effectRef>
+          <a:fontRef idx="minor">
+            <a:schemeClr val="tx1"/>
+          </a:fontRef>
+        </p:style>
+        <p:txBody>
+          <a:bodyPr rtlCol="0" anchor="ctr"/>
+          <a:p>
+            <a:pPr algn="ctr"/>
+            <a:endParaRPr lang="pt-BR" altLang="en-US"/>
+          </a:p>
+        </p:txBody>
+      </p:sp>
+      <p:sp>
+        <p:nvSpPr>
+          <p:cNvPr id="37" name="Retângulo 36"/>
+          <p:cNvSpPr/>
+          <p:nvPr/>
+        </p:nvSpPr>
+        <p:spPr>
+          <a:xfrm>
+            <a:off x="13970" y="3679190"/>
+            <a:ext cx="417195" cy="351790"/>
+          </a:xfrm>
+          <a:prstGeom prst="rect">
+            <a:avLst/>
+          </a:prstGeom>
+          <a:ln>
+            <a:solidFill>
+              <a:schemeClr val="tx1"/>
+            </a:solidFill>
+          </a:ln>
+        </p:spPr>
+        <p:style>
+          <a:lnRef idx="2">
+            <a:schemeClr val="accent1"/>
+          </a:lnRef>
+          <a:fillRef idx="0">
+            <a:srgbClr val="FFFFFF"/>
+          </a:fillRef>
+          <a:effectRef idx="0">
+            <a:srgbClr val="FFFFFF"/>
+          </a:effectRef>
+          <a:fontRef idx="minor">
+            <a:schemeClr val="tx1"/>
+          </a:fontRef>
+        </p:style>
+        <p:txBody>
+          <a:bodyPr rtlCol="0" anchor="ctr"/>
+          <a:p>
+            <a:pPr algn="ctr"/>
+            <a:r>
+              <a:rPr lang="pt-BR" altLang="en-US"/>
+              <a:t>A</a:t>
+            </a:r>
+            <a:endParaRPr lang="pt-BR" altLang="en-US"/>
+          </a:p>
+        </p:txBody>
+      </p:sp>
+      <p:sp>
+        <p:nvSpPr>
+          <p:cNvPr id="38" name="Retângulo 37"/>
+          <p:cNvSpPr/>
+          <p:nvPr/>
+        </p:nvSpPr>
+        <p:spPr>
+          <a:xfrm>
+            <a:off x="431165" y="3679190"/>
+            <a:ext cx="417195" cy="351790"/>
+          </a:xfrm>
+          <a:prstGeom prst="rect">
+            <a:avLst/>
+          </a:prstGeom>
+          <a:ln>
+            <a:solidFill>
+              <a:schemeClr val="tx1"/>
+            </a:solidFill>
+          </a:ln>
+        </p:spPr>
+        <p:style>
+          <a:lnRef idx="2">
+            <a:schemeClr val="accent1"/>
+          </a:lnRef>
+          <a:fillRef idx="0">
+            <a:srgbClr val="FFFFFF"/>
+          </a:fillRef>
+          <a:effectRef idx="0">
+            <a:srgbClr val="FFFFFF"/>
+          </a:effectRef>
+          <a:fontRef idx="minor">
+            <a:schemeClr val="tx1"/>
+          </a:fontRef>
+        </p:style>
+        <p:txBody>
+          <a:bodyPr rtlCol="0" anchor="ctr"/>
+          <a:p>
+            <a:pPr algn="ctr"/>
+            <a:r>
+              <a:rPr lang="pt-BR" altLang="en-US"/>
+              <a:t>C</a:t>
+            </a:r>
+            <a:endParaRPr lang="pt-BR" altLang="en-US"/>
+          </a:p>
+        </p:txBody>
+      </p:sp>
+      <p:sp>
+        <p:nvSpPr>
+          <p:cNvPr id="39" name="Retângulo 38"/>
+          <p:cNvSpPr/>
+          <p:nvPr/>
+        </p:nvSpPr>
+        <p:spPr>
+          <a:xfrm>
+            <a:off x="848360" y="3679190"/>
+            <a:ext cx="417195" cy="351790"/>
+          </a:xfrm>
+          <a:prstGeom prst="rect">
+            <a:avLst/>
+          </a:prstGeom>
+          <a:ln>
+            <a:solidFill>
+              <a:schemeClr val="tx1"/>
+            </a:solidFill>
+          </a:ln>
+        </p:spPr>
+        <p:style>
+          <a:lnRef idx="2">
+            <a:schemeClr val="accent1"/>
+          </a:lnRef>
+          <a:fillRef idx="0">
+            <a:srgbClr val="FFFFFF"/>
+          </a:fillRef>
+          <a:effectRef idx="0">
+            <a:srgbClr val="FFFFFF"/>
+          </a:effectRef>
+          <a:fontRef idx="minor">
+            <a:schemeClr val="tx1"/>
+          </a:fontRef>
+        </p:style>
+        <p:txBody>
+          <a:bodyPr rtlCol="0" anchor="ctr"/>
+          <a:p>
+            <a:pPr algn="ctr"/>
+            <a:r>
+              <a:rPr lang="pt-BR" altLang="en-US"/>
+              <a:t>D</a:t>
+            </a:r>
+            <a:endParaRPr lang="pt-BR" altLang="en-US"/>
+          </a:p>
+        </p:txBody>
+      </p:sp>
+      <p:sp>
+        <p:nvSpPr>
+          <p:cNvPr id="40" name="Retângulo 39"/>
+          <p:cNvSpPr/>
+          <p:nvPr/>
+        </p:nvSpPr>
+        <p:spPr>
+          <a:xfrm>
+            <a:off x="1265555" y="3679190"/>
+            <a:ext cx="417195" cy="351790"/>
+          </a:xfrm>
+          <a:prstGeom prst="rect">
+            <a:avLst/>
+          </a:prstGeom>
+          <a:ln>
+            <a:solidFill>
+              <a:schemeClr val="tx1"/>
+            </a:solidFill>
+          </a:ln>
+        </p:spPr>
+        <p:style>
+          <a:lnRef idx="2">
+            <a:schemeClr val="accent1"/>
+          </a:lnRef>
+          <a:fillRef idx="0">
+            <a:srgbClr val="FFFFFF"/>
+          </a:fillRef>
+          <a:effectRef idx="0">
+            <a:srgbClr val="FFFFFF"/>
+          </a:effectRef>
+          <a:fontRef idx="minor">
+            <a:schemeClr val="tx1"/>
+          </a:fontRef>
+        </p:style>
+        <p:txBody>
+          <a:bodyPr rtlCol="0" anchor="ctr"/>
+          <a:p>
+            <a:pPr algn="ctr"/>
+            <a:r>
+              <a:rPr lang="pt-BR" altLang="en-US"/>
+              <a:t>E</a:t>
+            </a:r>
+            <a:endParaRPr lang="pt-BR" altLang="en-US"/>
+          </a:p>
+        </p:txBody>
+      </p:sp>
+      <p:sp>
+        <p:nvSpPr>
+          <p:cNvPr id="41" name="Retângulo 40"/>
+          <p:cNvSpPr/>
+          <p:nvPr/>
+        </p:nvSpPr>
+        <p:spPr>
+          <a:xfrm>
+            <a:off x="1923415" y="5035550"/>
+            <a:ext cx="417195" cy="351790"/>
+          </a:xfrm>
+          <a:prstGeom prst="rect">
+            <a:avLst/>
+          </a:prstGeom>
+          <a:ln>
+            <a:solidFill>
+              <a:schemeClr val="tx1"/>
+            </a:solidFill>
+          </a:ln>
+        </p:spPr>
+        <p:style>
+          <a:lnRef idx="2">
+            <a:schemeClr val="accent1"/>
+          </a:lnRef>
+          <a:fillRef idx="0">
+            <a:srgbClr val="FFFFFF"/>
+          </a:fillRef>
+          <a:effectRef idx="0">
+            <a:srgbClr val="FFFFFF"/>
+          </a:effectRef>
+          <a:fontRef idx="minor">
+            <a:schemeClr val="tx1"/>
+          </a:fontRef>
+        </p:style>
+        <p:txBody>
+          <a:bodyPr rtlCol="0" anchor="ctr"/>
+          <a:p>
+            <a:pPr algn="ctr"/>
+            <a:r>
+              <a:rPr lang="pt-BR" altLang="en-US"/>
+              <a:t>G</a:t>
+            </a:r>
+            <a:endParaRPr lang="pt-BR" altLang="en-US"/>
+          </a:p>
+        </p:txBody>
+      </p:sp>
+      <p:sp>
+        <p:nvSpPr>
+          <p:cNvPr id="42" name="Retângulo 41"/>
+          <p:cNvSpPr/>
+          <p:nvPr/>
+        </p:nvSpPr>
+        <p:spPr>
+          <a:xfrm>
+            <a:off x="2340610" y="5035550"/>
+            <a:ext cx="417195" cy="351790"/>
+          </a:xfrm>
+          <a:prstGeom prst="rect">
+            <a:avLst/>
+          </a:prstGeom>
+          <a:ln>
+            <a:solidFill>
+              <a:schemeClr val="tx1"/>
+            </a:solidFill>
+          </a:ln>
+        </p:spPr>
+        <p:style>
+          <a:lnRef idx="2">
+            <a:schemeClr val="accent1"/>
+          </a:lnRef>
+          <a:fillRef idx="0">
+            <a:srgbClr val="FFFFFF"/>
+          </a:fillRef>
+          <a:effectRef idx="0">
+            <a:srgbClr val="FFFFFF"/>
+          </a:effectRef>
+          <a:fontRef idx="minor">
+            <a:schemeClr val="tx1"/>
+          </a:fontRef>
+        </p:style>
+        <p:txBody>
+          <a:bodyPr rtlCol="0" anchor="ctr"/>
+          <a:p>
+            <a:pPr algn="ctr"/>
+            <a:r>
+              <a:rPr lang="pt-BR" altLang="en-US"/>
+              <a:t>H</a:t>
+            </a:r>
+            <a:endParaRPr lang="pt-BR" altLang="en-US"/>
+          </a:p>
+        </p:txBody>
+      </p:sp>
+      <p:sp>
+        <p:nvSpPr>
+          <p:cNvPr id="43" name="Retângulo 42"/>
+          <p:cNvSpPr/>
+          <p:nvPr/>
+        </p:nvSpPr>
+        <p:spPr>
+          <a:xfrm>
+            <a:off x="2757805" y="5035550"/>
+            <a:ext cx="417195" cy="351790"/>
+          </a:xfrm>
+          <a:prstGeom prst="rect">
+            <a:avLst/>
+          </a:prstGeom>
+          <a:ln>
+            <a:solidFill>
+              <a:schemeClr val="tx1"/>
+            </a:solidFill>
+          </a:ln>
+        </p:spPr>
+        <p:style>
+          <a:lnRef idx="2">
+            <a:schemeClr val="accent1"/>
+          </a:lnRef>
+          <a:fillRef idx="0">
+            <a:srgbClr val="FFFFFF"/>
+          </a:fillRef>
+          <a:effectRef idx="0">
+            <a:srgbClr val="FFFFFF"/>
+          </a:effectRef>
+          <a:fontRef idx="minor">
+            <a:schemeClr val="tx1"/>
+          </a:fontRef>
+        </p:style>
+        <p:txBody>
+          <a:bodyPr rtlCol="0" anchor="ctr"/>
+          <a:p>
+            <a:pPr algn="ctr"/>
+            <a:endParaRPr lang="pt-BR" altLang="en-US"/>
+          </a:p>
+        </p:txBody>
+      </p:sp>
+      <p:sp>
+        <p:nvSpPr>
+          <p:cNvPr id="44" name="Retângulo 43"/>
+          <p:cNvSpPr/>
+          <p:nvPr/>
+        </p:nvSpPr>
+        <p:spPr>
+          <a:xfrm>
+            <a:off x="3175000" y="5035550"/>
+            <a:ext cx="417195" cy="351790"/>
+          </a:xfrm>
+          <a:prstGeom prst="rect">
+            <a:avLst/>
+          </a:prstGeom>
+          <a:ln>
+            <a:solidFill>
+              <a:schemeClr val="tx1"/>
+            </a:solidFill>
+          </a:ln>
+        </p:spPr>
+        <p:style>
+          <a:lnRef idx="2">
+            <a:schemeClr val="accent1"/>
+          </a:lnRef>
+          <a:fillRef idx="0">
+            <a:srgbClr val="FFFFFF"/>
+          </a:fillRef>
+          <a:effectRef idx="0">
+            <a:srgbClr val="FFFFFF"/>
+          </a:effectRef>
+          <a:fontRef idx="minor">
+            <a:schemeClr val="tx1"/>
+          </a:fontRef>
+        </p:style>
+        <p:txBody>
+          <a:bodyPr rtlCol="0" anchor="ctr"/>
+          <a:p>
+            <a:pPr algn="ctr"/>
+            <a:endParaRPr lang="pt-BR" altLang="en-US"/>
+          </a:p>
+        </p:txBody>
+      </p:sp>
+      <p:sp>
+        <p:nvSpPr>
+          <p:cNvPr id="45" name="Retângulo 44"/>
+          <p:cNvSpPr/>
+          <p:nvPr/>
+        </p:nvSpPr>
+        <p:spPr>
+          <a:xfrm>
+            <a:off x="5250815" y="5387340"/>
+            <a:ext cx="417195" cy="351790"/>
+          </a:xfrm>
+          <a:prstGeom prst="rect">
+            <a:avLst/>
+          </a:prstGeom>
+          <a:ln>
+            <a:solidFill>
+              <a:schemeClr val="tx1"/>
+            </a:solidFill>
+          </a:ln>
+        </p:spPr>
+        <p:style>
+          <a:lnRef idx="2">
+            <a:schemeClr val="accent1"/>
+          </a:lnRef>
+          <a:fillRef idx="0">
+            <a:srgbClr val="FFFFFF"/>
+          </a:fillRef>
+          <a:effectRef idx="0">
+            <a:srgbClr val="FFFFFF"/>
+          </a:effectRef>
+          <a:fontRef idx="minor">
+            <a:schemeClr val="tx1"/>
+          </a:fontRef>
+        </p:style>
+        <p:txBody>
+          <a:bodyPr rtlCol="0" anchor="ctr"/>
+          <a:p>
+            <a:pPr algn="ctr"/>
+            <a:r>
+              <a:rPr lang="pt-BR" altLang="en-US"/>
+              <a:t>M</a:t>
+            </a:r>
+            <a:endParaRPr lang="pt-BR" altLang="en-US"/>
+          </a:p>
+        </p:txBody>
+      </p:sp>
+      <p:sp>
+        <p:nvSpPr>
+          <p:cNvPr id="46" name="Retângulo 45"/>
+          <p:cNvSpPr/>
+          <p:nvPr/>
+        </p:nvSpPr>
+        <p:spPr>
+          <a:xfrm>
+            <a:off x="5668010" y="5387340"/>
+            <a:ext cx="417195" cy="351790"/>
+          </a:xfrm>
+          <a:prstGeom prst="rect">
+            <a:avLst/>
+          </a:prstGeom>
+          <a:ln>
+            <a:solidFill>
+              <a:schemeClr val="tx1"/>
+            </a:solidFill>
+          </a:ln>
+        </p:spPr>
+        <p:style>
+          <a:lnRef idx="2">
+            <a:schemeClr val="accent1"/>
+          </a:lnRef>
+          <a:fillRef idx="0">
+            <a:srgbClr val="FFFFFF"/>
+          </a:fillRef>
+          <a:effectRef idx="0">
+            <a:srgbClr val="FFFFFF"/>
+          </a:effectRef>
+          <a:fontRef idx="minor">
+            <a:schemeClr val="tx1"/>
+          </a:fontRef>
+        </p:style>
+        <p:txBody>
+          <a:bodyPr rtlCol="0" anchor="ctr"/>
+          <a:p>
+            <a:pPr algn="ctr"/>
+            <a:r>
+              <a:rPr lang="pt-BR" altLang="en-US"/>
+              <a:t>N</a:t>
+            </a:r>
+            <a:endParaRPr lang="pt-BR" altLang="en-US"/>
+          </a:p>
+        </p:txBody>
+      </p:sp>
+      <p:sp>
+        <p:nvSpPr>
+          <p:cNvPr id="47" name="Retângulo 46"/>
+          <p:cNvSpPr/>
+          <p:nvPr/>
+        </p:nvSpPr>
+        <p:spPr>
+          <a:xfrm>
+            <a:off x="6085205" y="5387340"/>
+            <a:ext cx="417195" cy="351790"/>
+          </a:xfrm>
+          <a:prstGeom prst="rect">
+            <a:avLst/>
+          </a:prstGeom>
+          <a:ln>
+            <a:solidFill>
+              <a:schemeClr val="tx1"/>
+            </a:solidFill>
+          </a:ln>
+        </p:spPr>
+        <p:style>
+          <a:lnRef idx="2">
+            <a:schemeClr val="accent1"/>
+          </a:lnRef>
+          <a:fillRef idx="0">
+            <a:srgbClr val="FFFFFF"/>
+          </a:fillRef>
+          <a:effectRef idx="0">
+            <a:srgbClr val="FFFFFF"/>
+          </a:effectRef>
+          <a:fontRef idx="minor">
+            <a:schemeClr val="tx1"/>
+          </a:fontRef>
+        </p:style>
+        <p:txBody>
+          <a:bodyPr rtlCol="0" anchor="ctr"/>
+          <a:p>
+            <a:pPr algn="ctr"/>
+            <a:endParaRPr lang="pt-BR" altLang="en-US"/>
+          </a:p>
+        </p:txBody>
+      </p:sp>
+      <p:sp>
+        <p:nvSpPr>
+          <p:cNvPr id="48" name="Retângulo 47"/>
+          <p:cNvSpPr/>
+          <p:nvPr/>
+        </p:nvSpPr>
+        <p:spPr>
+          <a:xfrm>
+            <a:off x="6502400" y="5387340"/>
+            <a:ext cx="417195" cy="351790"/>
+          </a:xfrm>
+          <a:prstGeom prst="rect">
+            <a:avLst/>
+          </a:prstGeom>
+          <a:ln>
+            <a:solidFill>
+              <a:schemeClr val="tx1"/>
+            </a:solidFill>
+          </a:ln>
+        </p:spPr>
+        <p:style>
+          <a:lnRef idx="2">
+            <a:schemeClr val="accent1"/>
+          </a:lnRef>
+          <a:fillRef idx="0">
+            <a:srgbClr val="FFFFFF"/>
+          </a:fillRef>
+          <a:effectRef idx="0">
+            <a:srgbClr val="FFFFFF"/>
+          </a:effectRef>
+          <a:fontRef idx="minor">
+            <a:schemeClr val="tx1"/>
+          </a:fontRef>
+        </p:style>
+        <p:txBody>
+          <a:bodyPr rtlCol="0" anchor="ctr"/>
+          <a:p>
+            <a:pPr algn="ctr"/>
+            <a:endParaRPr lang="pt-BR" altLang="en-US"/>
+          </a:p>
+        </p:txBody>
+      </p:sp>
+      <p:sp>
+        <p:nvSpPr>
+          <p:cNvPr id="49" name="Retângulo 48"/>
+          <p:cNvSpPr/>
+          <p:nvPr/>
+        </p:nvSpPr>
+        <p:spPr>
+          <a:xfrm>
+            <a:off x="2966085" y="4140200"/>
+            <a:ext cx="417195" cy="351790"/>
+          </a:xfrm>
+          <a:prstGeom prst="rect">
+            <a:avLst/>
+          </a:prstGeom>
+          <a:ln>
+            <a:solidFill>
+              <a:schemeClr val="tx1"/>
+            </a:solidFill>
+          </a:ln>
+        </p:spPr>
+        <p:style>
+          <a:lnRef idx="2">
+            <a:schemeClr val="accent1"/>
+          </a:lnRef>
+          <a:fillRef idx="0">
+            <a:srgbClr val="FFFFFF"/>
+          </a:fillRef>
+          <a:effectRef idx="0">
+            <a:srgbClr val="FFFFFF"/>
+          </a:effectRef>
+          <a:fontRef idx="minor">
+            <a:schemeClr val="tx1"/>
+          </a:fontRef>
+        </p:style>
+        <p:txBody>
+          <a:bodyPr rtlCol="0" anchor="ctr"/>
+          <a:p>
+            <a:pPr algn="ctr"/>
+            <a:r>
+              <a:rPr lang="pt-BR" altLang="en-US"/>
+              <a:t>J</a:t>
+            </a:r>
+            <a:endParaRPr lang="pt-BR" altLang="en-US"/>
+          </a:p>
+        </p:txBody>
+      </p:sp>
+      <p:sp>
+        <p:nvSpPr>
+          <p:cNvPr id="50" name="Retângulo 49"/>
+          <p:cNvSpPr/>
+          <p:nvPr/>
+        </p:nvSpPr>
+        <p:spPr>
+          <a:xfrm>
+            <a:off x="3383280" y="4140200"/>
+            <a:ext cx="417195" cy="351790"/>
+          </a:xfrm>
+          <a:prstGeom prst="rect">
+            <a:avLst/>
+          </a:prstGeom>
+          <a:ln>
+            <a:solidFill>
+              <a:schemeClr val="tx1"/>
+            </a:solidFill>
+          </a:ln>
+        </p:spPr>
+        <p:style>
+          <a:lnRef idx="2">
+            <a:schemeClr val="accent1"/>
+          </a:lnRef>
+          <a:fillRef idx="0">
+            <a:srgbClr val="FFFFFF"/>
+          </a:fillRef>
+          <a:effectRef idx="0">
+            <a:srgbClr val="FFFFFF"/>
+          </a:effectRef>
+          <a:fontRef idx="minor">
+            <a:schemeClr val="tx1"/>
+          </a:fontRef>
+        </p:style>
+        <p:txBody>
+          <a:bodyPr rtlCol="0" anchor="ctr"/>
+          <a:p>
+            <a:pPr algn="ctr"/>
+            <a:r>
+              <a:rPr lang="pt-BR" altLang="en-US"/>
+              <a:t>K</a:t>
+            </a:r>
+            <a:endParaRPr lang="pt-BR" altLang="en-US"/>
+          </a:p>
+        </p:txBody>
+      </p:sp>
+      <p:sp>
+        <p:nvSpPr>
+          <p:cNvPr id="51" name="Retângulo 50"/>
+          <p:cNvSpPr/>
+          <p:nvPr/>
+        </p:nvSpPr>
+        <p:spPr>
+          <a:xfrm>
+            <a:off x="3800475" y="4140200"/>
+            <a:ext cx="417195" cy="351790"/>
+          </a:xfrm>
+          <a:prstGeom prst="rect">
+            <a:avLst/>
+          </a:prstGeom>
+          <a:ln>
+            <a:solidFill>
+              <a:schemeClr val="tx1"/>
+            </a:solidFill>
+          </a:ln>
+        </p:spPr>
+        <p:style>
+          <a:lnRef idx="2">
+            <a:schemeClr val="accent1"/>
+          </a:lnRef>
+          <a:fillRef idx="0">
+            <a:srgbClr val="FFFFFF"/>
+          </a:fillRef>
+          <a:effectRef idx="0">
+            <a:srgbClr val="FFFFFF"/>
+          </a:effectRef>
+          <a:fontRef idx="minor">
+            <a:schemeClr val="tx1"/>
+          </a:fontRef>
+        </p:style>
+        <p:txBody>
+          <a:bodyPr rtlCol="0" anchor="ctr"/>
+          <a:p>
+            <a:pPr algn="ctr"/>
+            <a:endParaRPr lang="pt-BR" altLang="en-US"/>
+          </a:p>
+        </p:txBody>
+      </p:sp>
+      <p:sp>
+        <p:nvSpPr>
+          <p:cNvPr id="52" name="Retângulo 51"/>
+          <p:cNvSpPr/>
+          <p:nvPr/>
+        </p:nvSpPr>
+        <p:spPr>
+          <a:xfrm>
+            <a:off x="4217670" y="4140200"/>
+            <a:ext cx="417195" cy="351790"/>
+          </a:xfrm>
+          <a:prstGeom prst="rect">
+            <a:avLst/>
+          </a:prstGeom>
+          <a:ln>
+            <a:solidFill>
+              <a:schemeClr val="tx1"/>
+            </a:solidFill>
+          </a:ln>
+        </p:spPr>
+        <p:style>
+          <a:lnRef idx="2">
+            <a:schemeClr val="accent1"/>
+          </a:lnRef>
+          <a:fillRef idx="0">
+            <a:srgbClr val="FFFFFF"/>
+          </a:fillRef>
+          <a:effectRef idx="0">
+            <a:srgbClr val="FFFFFF"/>
+          </a:effectRef>
+          <a:fontRef idx="minor">
+            <a:schemeClr val="tx1"/>
+          </a:fontRef>
+        </p:style>
+        <p:txBody>
+          <a:bodyPr rtlCol="0" anchor="ctr"/>
+          <a:p>
+            <a:pPr algn="ctr"/>
+            <a:endParaRPr lang="pt-BR" altLang="en-US"/>
+          </a:p>
+        </p:txBody>
+      </p:sp>
+      <p:sp>
+        <p:nvSpPr>
+          <p:cNvPr id="53" name="Retângulo 52"/>
+          <p:cNvSpPr/>
+          <p:nvPr/>
+        </p:nvSpPr>
+        <p:spPr>
+          <a:xfrm>
+            <a:off x="6612255" y="4709160"/>
+            <a:ext cx="417195" cy="351790"/>
+          </a:xfrm>
+          <a:prstGeom prst="rect">
+            <a:avLst/>
+          </a:prstGeom>
+          <a:ln>
+            <a:solidFill>
+              <a:schemeClr val="tx1"/>
+            </a:solidFill>
+          </a:ln>
+        </p:spPr>
+        <p:style>
+          <a:lnRef idx="2">
+            <a:schemeClr val="accent1"/>
+          </a:lnRef>
+          <a:fillRef idx="0">
+            <a:srgbClr val="FFFFFF"/>
+          </a:fillRef>
+          <a:effectRef idx="0">
+            <a:srgbClr val="FFFFFF"/>
+          </a:effectRef>
+          <a:fontRef idx="minor">
+            <a:schemeClr val="tx1"/>
+          </a:fontRef>
+        </p:style>
+        <p:txBody>
+          <a:bodyPr rtlCol="0" anchor="ctr"/>
+          <a:p>
+            <a:pPr algn="ctr"/>
+            <a:r>
+              <a:rPr lang="pt-BR" altLang="en-US"/>
+              <a:t>P</a:t>
+            </a:r>
+            <a:endParaRPr lang="pt-BR" altLang="en-US"/>
+          </a:p>
+        </p:txBody>
+      </p:sp>
+      <p:sp>
+        <p:nvSpPr>
+          <p:cNvPr id="54" name="Retângulo 53"/>
+          <p:cNvSpPr/>
+          <p:nvPr/>
+        </p:nvSpPr>
+        <p:spPr>
+          <a:xfrm>
+            <a:off x="7029450" y="4709160"/>
+            <a:ext cx="417195" cy="351790"/>
+          </a:xfrm>
+          <a:prstGeom prst="rect">
+            <a:avLst/>
+          </a:prstGeom>
+          <a:ln>
+            <a:solidFill>
+              <a:schemeClr val="tx1"/>
+            </a:solidFill>
+          </a:ln>
+        </p:spPr>
+        <p:style>
+          <a:lnRef idx="2">
+            <a:schemeClr val="accent1"/>
+          </a:lnRef>
+          <a:fillRef idx="0">
+            <a:srgbClr val="FFFFFF"/>
+          </a:fillRef>
+          <a:effectRef idx="0">
+            <a:srgbClr val="FFFFFF"/>
+          </a:effectRef>
+          <a:fontRef idx="minor">
+            <a:schemeClr val="tx1"/>
+          </a:fontRef>
+        </p:style>
+        <p:txBody>
+          <a:bodyPr rtlCol="0" anchor="ctr"/>
+          <a:p>
+            <a:pPr algn="ctr"/>
+            <a:r>
+              <a:rPr lang="pt-BR" altLang="en-US"/>
+              <a:t>Q</a:t>
+            </a:r>
+            <a:endParaRPr lang="pt-BR" altLang="en-US"/>
+          </a:p>
+        </p:txBody>
+      </p:sp>
+      <p:sp>
+        <p:nvSpPr>
+          <p:cNvPr id="55" name="Retângulo 54"/>
+          <p:cNvSpPr/>
+          <p:nvPr/>
+        </p:nvSpPr>
+        <p:spPr>
+          <a:xfrm>
+            <a:off x="7446645" y="4709160"/>
+            <a:ext cx="417195" cy="351790"/>
+          </a:xfrm>
+          <a:prstGeom prst="rect">
+            <a:avLst/>
+          </a:prstGeom>
+          <a:ln>
+            <a:solidFill>
+              <a:schemeClr val="tx1"/>
+            </a:solidFill>
+          </a:ln>
+        </p:spPr>
+        <p:style>
+          <a:lnRef idx="2">
+            <a:schemeClr val="accent1"/>
+          </a:lnRef>
+          <a:fillRef idx="0">
+            <a:srgbClr val="FFFFFF"/>
+          </a:fillRef>
+          <a:effectRef idx="0">
+            <a:srgbClr val="FFFFFF"/>
+          </a:effectRef>
+          <a:fontRef idx="minor">
+            <a:schemeClr val="tx1"/>
+          </a:fontRef>
+        </p:style>
+        <p:txBody>
+          <a:bodyPr rtlCol="0" anchor="ctr"/>
+          <a:p>
+            <a:pPr algn="ctr"/>
+            <a:r>
+              <a:rPr lang="pt-BR" altLang="en-US"/>
+              <a:t>S</a:t>
+            </a:r>
+            <a:endParaRPr lang="pt-BR" altLang="en-US"/>
+          </a:p>
+        </p:txBody>
+      </p:sp>
+      <p:sp>
+        <p:nvSpPr>
+          <p:cNvPr id="56" name="Retângulo 55"/>
+          <p:cNvSpPr/>
+          <p:nvPr/>
+        </p:nvSpPr>
+        <p:spPr>
+          <a:xfrm>
+            <a:off x="7863840" y="4709160"/>
+            <a:ext cx="417195" cy="351790"/>
+          </a:xfrm>
+          <a:prstGeom prst="rect">
+            <a:avLst/>
+          </a:prstGeom>
+          <a:ln>
+            <a:solidFill>
+              <a:schemeClr val="tx1"/>
+            </a:solidFill>
+          </a:ln>
+        </p:spPr>
+        <p:style>
+          <a:lnRef idx="2">
+            <a:schemeClr val="accent1"/>
+          </a:lnRef>
+          <a:fillRef idx="0">
+            <a:srgbClr val="FFFFFF"/>
+          </a:fillRef>
+          <a:effectRef idx="0">
+            <a:srgbClr val="FFFFFF"/>
+          </a:effectRef>
+          <a:fontRef idx="minor">
+            <a:schemeClr val="tx1"/>
+          </a:fontRef>
+        </p:style>
+        <p:txBody>
+          <a:bodyPr rtlCol="0" anchor="ctr"/>
+          <a:p>
+            <a:pPr algn="ctr"/>
+            <a:r>
+              <a:rPr lang="pt-BR" altLang="en-US"/>
+              <a:t>T</a:t>
+            </a:r>
+            <a:endParaRPr lang="pt-BR" altLang="en-US"/>
+          </a:p>
+        </p:txBody>
+      </p:sp>
+      <p:sp>
+        <p:nvSpPr>
+          <p:cNvPr id="57" name="Retângulo 56"/>
+          <p:cNvSpPr/>
+          <p:nvPr/>
+        </p:nvSpPr>
+        <p:spPr>
+          <a:xfrm>
+            <a:off x="8753475" y="4357370"/>
+            <a:ext cx="417195" cy="351790"/>
+          </a:xfrm>
+          <a:prstGeom prst="rect">
+            <a:avLst/>
+          </a:prstGeom>
+          <a:ln>
+            <a:solidFill>
+              <a:schemeClr val="tx1"/>
+            </a:solidFill>
+          </a:ln>
+        </p:spPr>
+        <p:style>
+          <a:lnRef idx="2">
+            <a:schemeClr val="accent1"/>
+          </a:lnRef>
+          <a:fillRef idx="0">
+            <a:srgbClr val="FFFFFF"/>
+          </a:fillRef>
+          <a:effectRef idx="0">
+            <a:srgbClr val="FFFFFF"/>
+          </a:effectRef>
+          <a:fontRef idx="minor">
+            <a:schemeClr val="tx1"/>
+          </a:fontRef>
+        </p:style>
+        <p:txBody>
+          <a:bodyPr rtlCol="0" anchor="ctr"/>
+          <a:p>
+            <a:pPr algn="ctr"/>
+            <a:r>
+              <a:rPr lang="pt-BR" altLang="en-US"/>
+              <a:t>V</a:t>
+            </a:r>
+            <a:endParaRPr lang="pt-BR" altLang="en-US"/>
+          </a:p>
+        </p:txBody>
+      </p:sp>
+      <p:sp>
+        <p:nvSpPr>
+          <p:cNvPr id="58" name="Retângulo 57"/>
+          <p:cNvSpPr/>
+          <p:nvPr/>
+        </p:nvSpPr>
+        <p:spPr>
+          <a:xfrm>
+            <a:off x="9170670" y="4357370"/>
+            <a:ext cx="417195" cy="351790"/>
+          </a:xfrm>
+          <a:prstGeom prst="rect">
+            <a:avLst/>
+          </a:prstGeom>
+          <a:ln>
+            <a:solidFill>
+              <a:schemeClr val="tx1"/>
+            </a:solidFill>
+          </a:ln>
+        </p:spPr>
+        <p:style>
+          <a:lnRef idx="2">
+            <a:schemeClr val="accent1"/>
+          </a:lnRef>
+          <a:fillRef idx="0">
+            <a:srgbClr val="FFFFFF"/>
+          </a:fillRef>
+          <a:effectRef idx="0">
+            <a:srgbClr val="FFFFFF"/>
+          </a:effectRef>
+          <a:fontRef idx="minor">
+            <a:schemeClr val="tx1"/>
+          </a:fontRef>
+        </p:style>
+        <p:txBody>
+          <a:bodyPr rtlCol="0" anchor="ctr"/>
+          <a:p>
+            <a:pPr algn="ctr"/>
+            <a:r>
+              <a:rPr lang="pt-BR" altLang="en-US"/>
+              <a:t>W</a:t>
+            </a:r>
+            <a:endParaRPr lang="pt-BR" altLang="en-US"/>
+          </a:p>
+        </p:txBody>
+      </p:sp>
+      <p:sp>
+        <p:nvSpPr>
+          <p:cNvPr id="59" name="Retângulo 58"/>
+          <p:cNvSpPr/>
+          <p:nvPr/>
+        </p:nvSpPr>
+        <p:spPr>
+          <a:xfrm>
+            <a:off x="9587865" y="4357370"/>
             <a:ext cx="417195" cy="351790"/>
           </a:xfrm>
           <a:prstGeom prst="rect">
@@ -15329,1208 +16899,6 @@
       </p:sp>
       <p:sp>
         <p:nvSpPr>
-          <p:cNvPr id="25" name="Retângulo 24"/>
-          <p:cNvSpPr/>
-          <p:nvPr/>
-        </p:nvSpPr>
-        <p:spPr>
-          <a:xfrm>
-            <a:off x="1313180" y="2508250"/>
-            <a:ext cx="417195" cy="351790"/>
-          </a:xfrm>
-          <a:prstGeom prst="rect">
-            <a:avLst/>
-          </a:prstGeom>
-          <a:ln>
-            <a:solidFill>
-              <a:schemeClr val="tx1"/>
-            </a:solidFill>
-          </a:ln>
-        </p:spPr>
-        <p:style>
-          <a:lnRef idx="2">
-            <a:schemeClr val="accent1"/>
-          </a:lnRef>
-          <a:fillRef idx="0">
-            <a:srgbClr val="FFFFFF"/>
-          </a:fillRef>
-          <a:effectRef idx="0">
-            <a:srgbClr val="FFFFFF"/>
-          </a:effectRef>
-          <a:fontRef idx="minor">
-            <a:schemeClr val="tx1"/>
-          </a:fontRef>
-        </p:style>
-        <p:txBody>
-          <a:bodyPr rtlCol="0" anchor="ctr"/>
-          <a:p>
-            <a:pPr algn="ctr"/>
-            <a:r>
-              <a:rPr lang="pt-BR" altLang="en-US"/>
-              <a:t>F</a:t>
-            </a:r>
-            <a:endParaRPr lang="pt-BR" altLang="en-US"/>
-          </a:p>
-        </p:txBody>
-      </p:sp>
-      <p:sp>
-        <p:nvSpPr>
-          <p:cNvPr id="26" name="Retângulo 25"/>
-          <p:cNvSpPr/>
-          <p:nvPr/>
-        </p:nvSpPr>
-        <p:spPr>
-          <a:xfrm>
-            <a:off x="1730375" y="2508250"/>
-            <a:ext cx="417195" cy="351790"/>
-          </a:xfrm>
-          <a:prstGeom prst="rect">
-            <a:avLst/>
-          </a:prstGeom>
-          <a:ln>
-            <a:solidFill>
-              <a:schemeClr val="tx1"/>
-            </a:solidFill>
-          </a:ln>
-        </p:spPr>
-        <p:style>
-          <a:lnRef idx="2">
-            <a:schemeClr val="accent1"/>
-          </a:lnRef>
-          <a:fillRef idx="0">
-            <a:srgbClr val="FFFFFF"/>
-          </a:fillRef>
-          <a:effectRef idx="0">
-            <a:srgbClr val="FFFFFF"/>
-          </a:effectRef>
-          <a:fontRef idx="minor">
-            <a:schemeClr val="tx1"/>
-          </a:fontRef>
-        </p:style>
-        <p:txBody>
-          <a:bodyPr rtlCol="0" anchor="ctr"/>
-          <a:p>
-            <a:pPr algn="ctr"/>
-            <a:endParaRPr lang="pt-BR" altLang="en-US"/>
-          </a:p>
-        </p:txBody>
-      </p:sp>
-      <p:sp>
-        <p:nvSpPr>
-          <p:cNvPr id="27" name="Retângulo 26"/>
-          <p:cNvSpPr/>
-          <p:nvPr/>
-        </p:nvSpPr>
-        <p:spPr>
-          <a:xfrm>
-            <a:off x="2147570" y="2508250"/>
-            <a:ext cx="417195" cy="351790"/>
-          </a:xfrm>
-          <a:prstGeom prst="rect">
-            <a:avLst/>
-          </a:prstGeom>
-          <a:ln>
-            <a:solidFill>
-              <a:schemeClr val="tx1"/>
-            </a:solidFill>
-          </a:ln>
-        </p:spPr>
-        <p:style>
-          <a:lnRef idx="2">
-            <a:schemeClr val="accent1"/>
-          </a:lnRef>
-          <a:fillRef idx="0">
-            <a:srgbClr val="FFFFFF"/>
-          </a:fillRef>
-          <a:effectRef idx="0">
-            <a:srgbClr val="FFFFFF"/>
-          </a:effectRef>
-          <a:fontRef idx="minor">
-            <a:schemeClr val="tx1"/>
-          </a:fontRef>
-        </p:style>
-        <p:txBody>
-          <a:bodyPr rtlCol="0" anchor="ctr"/>
-          <a:p>
-            <a:pPr algn="ctr"/>
-            <a:endParaRPr lang="pt-BR" altLang="en-US"/>
-          </a:p>
-        </p:txBody>
-      </p:sp>
-      <p:sp>
-        <p:nvSpPr>
-          <p:cNvPr id="28" name="Retângulo 27"/>
-          <p:cNvSpPr/>
-          <p:nvPr/>
-        </p:nvSpPr>
-        <p:spPr>
-          <a:xfrm>
-            <a:off x="2564765" y="2508250"/>
-            <a:ext cx="417195" cy="351790"/>
-          </a:xfrm>
-          <a:prstGeom prst="rect">
-            <a:avLst/>
-          </a:prstGeom>
-          <a:ln>
-            <a:solidFill>
-              <a:schemeClr val="tx1"/>
-            </a:solidFill>
-          </a:ln>
-        </p:spPr>
-        <p:style>
-          <a:lnRef idx="2">
-            <a:schemeClr val="accent1"/>
-          </a:lnRef>
-          <a:fillRef idx="0">
-            <a:srgbClr val="FFFFFF"/>
-          </a:fillRef>
-          <a:effectRef idx="0">
-            <a:srgbClr val="FFFFFF"/>
-          </a:effectRef>
-          <a:fontRef idx="minor">
-            <a:schemeClr val="tx1"/>
-          </a:fontRef>
-        </p:style>
-        <p:txBody>
-          <a:bodyPr rtlCol="0" anchor="ctr"/>
-          <a:p>
-            <a:pPr algn="ctr"/>
-            <a:endParaRPr lang="pt-BR" altLang="en-US"/>
-          </a:p>
-        </p:txBody>
-      </p:sp>
-      <p:sp>
-        <p:nvSpPr>
-          <p:cNvPr id="37" name="Retângulo 36"/>
-          <p:cNvSpPr/>
-          <p:nvPr/>
-        </p:nvSpPr>
-        <p:spPr>
-          <a:xfrm>
-            <a:off x="13970" y="3679190"/>
-            <a:ext cx="417195" cy="351790"/>
-          </a:xfrm>
-          <a:prstGeom prst="rect">
-            <a:avLst/>
-          </a:prstGeom>
-          <a:ln>
-            <a:solidFill>
-              <a:schemeClr val="tx1"/>
-            </a:solidFill>
-          </a:ln>
-        </p:spPr>
-        <p:style>
-          <a:lnRef idx="2">
-            <a:schemeClr val="accent1"/>
-          </a:lnRef>
-          <a:fillRef idx="0">
-            <a:srgbClr val="FFFFFF"/>
-          </a:fillRef>
-          <a:effectRef idx="0">
-            <a:srgbClr val="FFFFFF"/>
-          </a:effectRef>
-          <a:fontRef idx="minor">
-            <a:schemeClr val="tx1"/>
-          </a:fontRef>
-        </p:style>
-        <p:txBody>
-          <a:bodyPr rtlCol="0" anchor="ctr"/>
-          <a:p>
-            <a:pPr algn="ctr"/>
-            <a:r>
-              <a:rPr lang="pt-BR" altLang="en-US"/>
-              <a:t>A</a:t>
-            </a:r>
-            <a:endParaRPr lang="pt-BR" altLang="en-US"/>
-          </a:p>
-        </p:txBody>
-      </p:sp>
-      <p:sp>
-        <p:nvSpPr>
-          <p:cNvPr id="38" name="Retângulo 37"/>
-          <p:cNvSpPr/>
-          <p:nvPr/>
-        </p:nvSpPr>
-        <p:spPr>
-          <a:xfrm>
-            <a:off x="431165" y="3679190"/>
-            <a:ext cx="417195" cy="351790"/>
-          </a:xfrm>
-          <a:prstGeom prst="rect">
-            <a:avLst/>
-          </a:prstGeom>
-          <a:ln>
-            <a:solidFill>
-              <a:schemeClr val="tx1"/>
-            </a:solidFill>
-          </a:ln>
-        </p:spPr>
-        <p:style>
-          <a:lnRef idx="2">
-            <a:schemeClr val="accent1"/>
-          </a:lnRef>
-          <a:fillRef idx="0">
-            <a:srgbClr val="FFFFFF"/>
-          </a:fillRef>
-          <a:effectRef idx="0">
-            <a:srgbClr val="FFFFFF"/>
-          </a:effectRef>
-          <a:fontRef idx="minor">
-            <a:schemeClr val="tx1"/>
-          </a:fontRef>
-        </p:style>
-        <p:txBody>
-          <a:bodyPr rtlCol="0" anchor="ctr"/>
-          <a:p>
-            <a:pPr algn="ctr"/>
-            <a:r>
-              <a:rPr lang="pt-BR" altLang="en-US"/>
-              <a:t>C</a:t>
-            </a:r>
-            <a:endParaRPr lang="pt-BR" altLang="en-US"/>
-          </a:p>
-        </p:txBody>
-      </p:sp>
-      <p:sp>
-        <p:nvSpPr>
-          <p:cNvPr id="39" name="Retângulo 38"/>
-          <p:cNvSpPr/>
-          <p:nvPr/>
-        </p:nvSpPr>
-        <p:spPr>
-          <a:xfrm>
-            <a:off x="848360" y="3679190"/>
-            <a:ext cx="417195" cy="351790"/>
-          </a:xfrm>
-          <a:prstGeom prst="rect">
-            <a:avLst/>
-          </a:prstGeom>
-          <a:ln>
-            <a:solidFill>
-              <a:schemeClr val="tx1"/>
-            </a:solidFill>
-          </a:ln>
-        </p:spPr>
-        <p:style>
-          <a:lnRef idx="2">
-            <a:schemeClr val="accent1"/>
-          </a:lnRef>
-          <a:fillRef idx="0">
-            <a:srgbClr val="FFFFFF"/>
-          </a:fillRef>
-          <a:effectRef idx="0">
-            <a:srgbClr val="FFFFFF"/>
-          </a:effectRef>
-          <a:fontRef idx="minor">
-            <a:schemeClr val="tx1"/>
-          </a:fontRef>
-        </p:style>
-        <p:txBody>
-          <a:bodyPr rtlCol="0" anchor="ctr"/>
-          <a:p>
-            <a:pPr algn="ctr"/>
-            <a:r>
-              <a:rPr lang="pt-BR" altLang="en-US"/>
-              <a:t>D</a:t>
-            </a:r>
-            <a:endParaRPr lang="pt-BR" altLang="en-US"/>
-          </a:p>
-        </p:txBody>
-      </p:sp>
-      <p:sp>
-        <p:nvSpPr>
-          <p:cNvPr id="40" name="Retângulo 39"/>
-          <p:cNvSpPr/>
-          <p:nvPr/>
-        </p:nvSpPr>
-        <p:spPr>
-          <a:xfrm>
-            <a:off x="1265555" y="3679190"/>
-            <a:ext cx="417195" cy="351790"/>
-          </a:xfrm>
-          <a:prstGeom prst="rect">
-            <a:avLst/>
-          </a:prstGeom>
-          <a:ln>
-            <a:solidFill>
-              <a:schemeClr val="tx1"/>
-            </a:solidFill>
-          </a:ln>
-        </p:spPr>
-        <p:style>
-          <a:lnRef idx="2">
-            <a:schemeClr val="accent1"/>
-          </a:lnRef>
-          <a:fillRef idx="0">
-            <a:srgbClr val="FFFFFF"/>
-          </a:fillRef>
-          <a:effectRef idx="0">
-            <a:srgbClr val="FFFFFF"/>
-          </a:effectRef>
-          <a:fontRef idx="minor">
-            <a:schemeClr val="tx1"/>
-          </a:fontRef>
-        </p:style>
-        <p:txBody>
-          <a:bodyPr rtlCol="0" anchor="ctr"/>
-          <a:p>
-            <a:pPr algn="ctr"/>
-            <a:r>
-              <a:rPr lang="pt-BR" altLang="en-US"/>
-              <a:t>E</a:t>
-            </a:r>
-            <a:endParaRPr lang="pt-BR" altLang="en-US"/>
-          </a:p>
-        </p:txBody>
-      </p:sp>
-      <p:sp>
-        <p:nvSpPr>
-          <p:cNvPr id="41" name="Retângulo 40"/>
-          <p:cNvSpPr/>
-          <p:nvPr/>
-        </p:nvSpPr>
-        <p:spPr>
-          <a:xfrm>
-            <a:off x="2674620" y="3679190"/>
-            <a:ext cx="417195" cy="351790"/>
-          </a:xfrm>
-          <a:prstGeom prst="rect">
-            <a:avLst/>
-          </a:prstGeom>
-          <a:ln>
-            <a:solidFill>
-              <a:schemeClr val="tx1"/>
-            </a:solidFill>
-          </a:ln>
-        </p:spPr>
-        <p:style>
-          <a:lnRef idx="2">
-            <a:schemeClr val="accent1"/>
-          </a:lnRef>
-          <a:fillRef idx="0">
-            <a:srgbClr val="FFFFFF"/>
-          </a:fillRef>
-          <a:effectRef idx="0">
-            <a:srgbClr val="FFFFFF"/>
-          </a:effectRef>
-          <a:fontRef idx="minor">
-            <a:schemeClr val="tx1"/>
-          </a:fontRef>
-        </p:style>
-        <p:txBody>
-          <a:bodyPr rtlCol="0" anchor="ctr"/>
-          <a:p>
-            <a:pPr algn="ctr"/>
-            <a:r>
-              <a:rPr lang="pt-BR" altLang="en-US"/>
-              <a:t>G</a:t>
-            </a:r>
-            <a:endParaRPr lang="pt-BR" altLang="en-US"/>
-          </a:p>
-        </p:txBody>
-      </p:sp>
-      <p:sp>
-        <p:nvSpPr>
-          <p:cNvPr id="42" name="Retângulo 41"/>
-          <p:cNvSpPr/>
-          <p:nvPr/>
-        </p:nvSpPr>
-        <p:spPr>
-          <a:xfrm>
-            <a:off x="3091815" y="3679190"/>
-            <a:ext cx="417195" cy="351790"/>
-          </a:xfrm>
-          <a:prstGeom prst="rect">
-            <a:avLst/>
-          </a:prstGeom>
-          <a:ln>
-            <a:solidFill>
-              <a:schemeClr val="tx1"/>
-            </a:solidFill>
-          </a:ln>
-        </p:spPr>
-        <p:style>
-          <a:lnRef idx="2">
-            <a:schemeClr val="accent1"/>
-          </a:lnRef>
-          <a:fillRef idx="0">
-            <a:srgbClr val="FFFFFF"/>
-          </a:fillRef>
-          <a:effectRef idx="0">
-            <a:srgbClr val="FFFFFF"/>
-          </a:effectRef>
-          <a:fontRef idx="minor">
-            <a:schemeClr val="tx1"/>
-          </a:fontRef>
-        </p:style>
-        <p:txBody>
-          <a:bodyPr rtlCol="0" anchor="ctr"/>
-          <a:p>
-            <a:pPr algn="ctr"/>
-            <a:r>
-              <a:rPr lang="pt-BR" altLang="en-US"/>
-              <a:t>H</a:t>
-            </a:r>
-            <a:endParaRPr lang="pt-BR" altLang="en-US"/>
-          </a:p>
-        </p:txBody>
-      </p:sp>
-      <p:sp>
-        <p:nvSpPr>
-          <p:cNvPr id="43" name="Retângulo 42"/>
-          <p:cNvSpPr/>
-          <p:nvPr/>
-        </p:nvSpPr>
-        <p:spPr>
-          <a:xfrm>
-            <a:off x="3509010" y="3679190"/>
-            <a:ext cx="417195" cy="351790"/>
-          </a:xfrm>
-          <a:prstGeom prst="rect">
-            <a:avLst/>
-          </a:prstGeom>
-          <a:ln>
-            <a:solidFill>
-              <a:schemeClr val="tx1"/>
-            </a:solidFill>
-          </a:ln>
-        </p:spPr>
-        <p:style>
-          <a:lnRef idx="2">
-            <a:schemeClr val="accent1"/>
-          </a:lnRef>
-          <a:fillRef idx="0">
-            <a:srgbClr val="FFFFFF"/>
-          </a:fillRef>
-          <a:effectRef idx="0">
-            <a:srgbClr val="FFFFFF"/>
-          </a:effectRef>
-          <a:fontRef idx="minor">
-            <a:schemeClr val="tx1"/>
-          </a:fontRef>
-        </p:style>
-        <p:txBody>
-          <a:bodyPr rtlCol="0" anchor="ctr"/>
-          <a:p>
-            <a:pPr algn="ctr"/>
-            <a:endParaRPr lang="pt-BR" altLang="en-US"/>
-          </a:p>
-        </p:txBody>
-      </p:sp>
-      <p:sp>
-        <p:nvSpPr>
-          <p:cNvPr id="44" name="Retângulo 43"/>
-          <p:cNvSpPr/>
-          <p:nvPr/>
-        </p:nvSpPr>
-        <p:spPr>
-          <a:xfrm>
-            <a:off x="3926205" y="3679190"/>
-            <a:ext cx="417195" cy="351790"/>
-          </a:xfrm>
-          <a:prstGeom prst="rect">
-            <a:avLst/>
-          </a:prstGeom>
-          <a:ln>
-            <a:solidFill>
-              <a:schemeClr val="tx1"/>
-            </a:solidFill>
-          </a:ln>
-        </p:spPr>
-        <p:style>
-          <a:lnRef idx="2">
-            <a:schemeClr val="accent1"/>
-          </a:lnRef>
-          <a:fillRef idx="0">
-            <a:srgbClr val="FFFFFF"/>
-          </a:fillRef>
-          <a:effectRef idx="0">
-            <a:srgbClr val="FFFFFF"/>
-          </a:effectRef>
-          <a:fontRef idx="minor">
-            <a:schemeClr val="tx1"/>
-          </a:fontRef>
-        </p:style>
-        <p:txBody>
-          <a:bodyPr rtlCol="0" anchor="ctr"/>
-          <a:p>
-            <a:pPr algn="ctr"/>
-            <a:endParaRPr lang="pt-BR" altLang="en-US"/>
-          </a:p>
-        </p:txBody>
-      </p:sp>
-      <p:sp>
-        <p:nvSpPr>
-          <p:cNvPr id="45" name="Retângulo 44"/>
-          <p:cNvSpPr/>
-          <p:nvPr/>
-        </p:nvSpPr>
-        <p:spPr>
-          <a:xfrm>
-            <a:off x="5250815" y="5387340"/>
-            <a:ext cx="417195" cy="351790"/>
-          </a:xfrm>
-          <a:prstGeom prst="rect">
-            <a:avLst/>
-          </a:prstGeom>
-          <a:ln>
-            <a:solidFill>
-              <a:schemeClr val="tx1"/>
-            </a:solidFill>
-          </a:ln>
-        </p:spPr>
-        <p:style>
-          <a:lnRef idx="2">
-            <a:schemeClr val="accent1"/>
-          </a:lnRef>
-          <a:fillRef idx="0">
-            <a:srgbClr val="FFFFFF"/>
-          </a:fillRef>
-          <a:effectRef idx="0">
-            <a:srgbClr val="FFFFFF"/>
-          </a:effectRef>
-          <a:fontRef idx="minor">
-            <a:schemeClr val="tx1"/>
-          </a:fontRef>
-        </p:style>
-        <p:txBody>
-          <a:bodyPr rtlCol="0" anchor="ctr"/>
-          <a:p>
-            <a:pPr algn="ctr"/>
-            <a:r>
-              <a:rPr lang="pt-BR" altLang="en-US"/>
-              <a:t>M</a:t>
-            </a:r>
-            <a:endParaRPr lang="pt-BR" altLang="en-US"/>
-          </a:p>
-        </p:txBody>
-      </p:sp>
-      <p:sp>
-        <p:nvSpPr>
-          <p:cNvPr id="46" name="Retângulo 45"/>
-          <p:cNvSpPr/>
-          <p:nvPr/>
-        </p:nvSpPr>
-        <p:spPr>
-          <a:xfrm>
-            <a:off x="5668010" y="5387340"/>
-            <a:ext cx="417195" cy="351790"/>
-          </a:xfrm>
-          <a:prstGeom prst="rect">
-            <a:avLst/>
-          </a:prstGeom>
-          <a:ln>
-            <a:solidFill>
-              <a:schemeClr val="tx1"/>
-            </a:solidFill>
-          </a:ln>
-        </p:spPr>
-        <p:style>
-          <a:lnRef idx="2">
-            <a:schemeClr val="accent1"/>
-          </a:lnRef>
-          <a:fillRef idx="0">
-            <a:srgbClr val="FFFFFF"/>
-          </a:fillRef>
-          <a:effectRef idx="0">
-            <a:srgbClr val="FFFFFF"/>
-          </a:effectRef>
-          <a:fontRef idx="minor">
-            <a:schemeClr val="tx1"/>
-          </a:fontRef>
-        </p:style>
-        <p:txBody>
-          <a:bodyPr rtlCol="0" anchor="ctr"/>
-          <a:p>
-            <a:pPr algn="ctr"/>
-            <a:r>
-              <a:rPr lang="pt-BR" altLang="en-US"/>
-              <a:t>N</a:t>
-            </a:r>
-            <a:endParaRPr lang="pt-BR" altLang="en-US"/>
-          </a:p>
-        </p:txBody>
-      </p:sp>
-      <p:sp>
-        <p:nvSpPr>
-          <p:cNvPr id="47" name="Retângulo 46"/>
-          <p:cNvSpPr/>
-          <p:nvPr/>
-        </p:nvSpPr>
-        <p:spPr>
-          <a:xfrm>
-            <a:off x="6085205" y="5387340"/>
-            <a:ext cx="417195" cy="351790"/>
-          </a:xfrm>
-          <a:prstGeom prst="rect">
-            <a:avLst/>
-          </a:prstGeom>
-          <a:ln>
-            <a:solidFill>
-              <a:schemeClr val="tx1"/>
-            </a:solidFill>
-          </a:ln>
-        </p:spPr>
-        <p:style>
-          <a:lnRef idx="2">
-            <a:schemeClr val="accent1"/>
-          </a:lnRef>
-          <a:fillRef idx="0">
-            <a:srgbClr val="FFFFFF"/>
-          </a:fillRef>
-          <a:effectRef idx="0">
-            <a:srgbClr val="FFFFFF"/>
-          </a:effectRef>
-          <a:fontRef idx="minor">
-            <a:schemeClr val="tx1"/>
-          </a:fontRef>
-        </p:style>
-        <p:txBody>
-          <a:bodyPr rtlCol="0" anchor="ctr"/>
-          <a:p>
-            <a:pPr algn="ctr"/>
-            <a:endParaRPr lang="pt-BR" altLang="en-US"/>
-          </a:p>
-        </p:txBody>
-      </p:sp>
-      <p:sp>
-        <p:nvSpPr>
-          <p:cNvPr id="48" name="Retângulo 47"/>
-          <p:cNvSpPr/>
-          <p:nvPr/>
-        </p:nvSpPr>
-        <p:spPr>
-          <a:xfrm>
-            <a:off x="6502400" y="5387340"/>
-            <a:ext cx="417195" cy="351790"/>
-          </a:xfrm>
-          <a:prstGeom prst="rect">
-            <a:avLst/>
-          </a:prstGeom>
-          <a:ln>
-            <a:solidFill>
-              <a:schemeClr val="tx1"/>
-            </a:solidFill>
-          </a:ln>
-        </p:spPr>
-        <p:style>
-          <a:lnRef idx="2">
-            <a:schemeClr val="accent1"/>
-          </a:lnRef>
-          <a:fillRef idx="0">
-            <a:srgbClr val="FFFFFF"/>
-          </a:fillRef>
-          <a:effectRef idx="0">
-            <a:srgbClr val="FFFFFF"/>
-          </a:effectRef>
-          <a:fontRef idx="minor">
-            <a:schemeClr val="tx1"/>
-          </a:fontRef>
-        </p:style>
-        <p:txBody>
-          <a:bodyPr rtlCol="0" anchor="ctr"/>
-          <a:p>
-            <a:pPr algn="ctr"/>
-            <a:endParaRPr lang="pt-BR" altLang="en-US"/>
-          </a:p>
-        </p:txBody>
-      </p:sp>
-      <p:sp>
-        <p:nvSpPr>
-          <p:cNvPr id="49" name="Retângulo 48"/>
-          <p:cNvSpPr/>
-          <p:nvPr/>
-        </p:nvSpPr>
-        <p:spPr>
-          <a:xfrm>
-            <a:off x="3951605" y="4709160"/>
-            <a:ext cx="417195" cy="351790"/>
-          </a:xfrm>
-          <a:prstGeom prst="rect">
-            <a:avLst/>
-          </a:prstGeom>
-          <a:ln>
-            <a:solidFill>
-              <a:schemeClr val="tx1"/>
-            </a:solidFill>
-          </a:ln>
-        </p:spPr>
-        <p:style>
-          <a:lnRef idx="2">
-            <a:schemeClr val="accent1"/>
-          </a:lnRef>
-          <a:fillRef idx="0">
-            <a:srgbClr val="FFFFFF"/>
-          </a:fillRef>
-          <a:effectRef idx="0">
-            <a:srgbClr val="FFFFFF"/>
-          </a:effectRef>
-          <a:fontRef idx="minor">
-            <a:schemeClr val="tx1"/>
-          </a:fontRef>
-        </p:style>
-        <p:txBody>
-          <a:bodyPr rtlCol="0" anchor="ctr"/>
-          <a:p>
-            <a:pPr algn="ctr"/>
-            <a:r>
-              <a:rPr lang="pt-BR" altLang="en-US"/>
-              <a:t>J</a:t>
-            </a:r>
-            <a:endParaRPr lang="pt-BR" altLang="en-US"/>
-          </a:p>
-        </p:txBody>
-      </p:sp>
-      <p:sp>
-        <p:nvSpPr>
-          <p:cNvPr id="50" name="Retângulo 49"/>
-          <p:cNvSpPr/>
-          <p:nvPr/>
-        </p:nvSpPr>
-        <p:spPr>
-          <a:xfrm>
-            <a:off x="4368800" y="4709160"/>
-            <a:ext cx="417195" cy="351790"/>
-          </a:xfrm>
-          <a:prstGeom prst="rect">
-            <a:avLst/>
-          </a:prstGeom>
-          <a:ln>
-            <a:solidFill>
-              <a:schemeClr val="tx1"/>
-            </a:solidFill>
-          </a:ln>
-        </p:spPr>
-        <p:style>
-          <a:lnRef idx="2">
-            <a:schemeClr val="accent1"/>
-          </a:lnRef>
-          <a:fillRef idx="0">
-            <a:srgbClr val="FFFFFF"/>
-          </a:fillRef>
-          <a:effectRef idx="0">
-            <a:srgbClr val="FFFFFF"/>
-          </a:effectRef>
-          <a:fontRef idx="minor">
-            <a:schemeClr val="tx1"/>
-          </a:fontRef>
-        </p:style>
-        <p:txBody>
-          <a:bodyPr rtlCol="0" anchor="ctr"/>
-          <a:p>
-            <a:pPr algn="ctr"/>
-            <a:r>
-              <a:rPr lang="pt-BR" altLang="en-US"/>
-              <a:t>K</a:t>
-            </a:r>
-            <a:endParaRPr lang="pt-BR" altLang="en-US"/>
-          </a:p>
-        </p:txBody>
-      </p:sp>
-      <p:sp>
-        <p:nvSpPr>
-          <p:cNvPr id="51" name="Retângulo 50"/>
-          <p:cNvSpPr/>
-          <p:nvPr/>
-        </p:nvSpPr>
-        <p:spPr>
-          <a:xfrm>
-            <a:off x="4785995" y="4709160"/>
-            <a:ext cx="417195" cy="351790"/>
-          </a:xfrm>
-          <a:prstGeom prst="rect">
-            <a:avLst/>
-          </a:prstGeom>
-          <a:ln>
-            <a:solidFill>
-              <a:schemeClr val="tx1"/>
-            </a:solidFill>
-          </a:ln>
-        </p:spPr>
-        <p:style>
-          <a:lnRef idx="2">
-            <a:schemeClr val="accent1"/>
-          </a:lnRef>
-          <a:fillRef idx="0">
-            <a:srgbClr val="FFFFFF"/>
-          </a:fillRef>
-          <a:effectRef idx="0">
-            <a:srgbClr val="FFFFFF"/>
-          </a:effectRef>
-          <a:fontRef idx="minor">
-            <a:schemeClr val="tx1"/>
-          </a:fontRef>
-        </p:style>
-        <p:txBody>
-          <a:bodyPr rtlCol="0" anchor="ctr"/>
-          <a:p>
-            <a:pPr algn="ctr"/>
-            <a:endParaRPr lang="pt-BR" altLang="en-US"/>
-          </a:p>
-        </p:txBody>
-      </p:sp>
-      <p:sp>
-        <p:nvSpPr>
-          <p:cNvPr id="52" name="Retângulo 51"/>
-          <p:cNvSpPr/>
-          <p:nvPr/>
-        </p:nvSpPr>
-        <p:spPr>
-          <a:xfrm>
-            <a:off x="5203190" y="4709160"/>
-            <a:ext cx="417195" cy="351790"/>
-          </a:xfrm>
-          <a:prstGeom prst="rect">
-            <a:avLst/>
-          </a:prstGeom>
-          <a:ln>
-            <a:solidFill>
-              <a:schemeClr val="tx1"/>
-            </a:solidFill>
-          </a:ln>
-        </p:spPr>
-        <p:style>
-          <a:lnRef idx="2">
-            <a:schemeClr val="accent1"/>
-          </a:lnRef>
-          <a:fillRef idx="0">
-            <a:srgbClr val="FFFFFF"/>
-          </a:fillRef>
-          <a:effectRef idx="0">
-            <a:srgbClr val="FFFFFF"/>
-          </a:effectRef>
-          <a:fontRef idx="minor">
-            <a:schemeClr val="tx1"/>
-          </a:fontRef>
-        </p:style>
-        <p:txBody>
-          <a:bodyPr rtlCol="0" anchor="ctr"/>
-          <a:p>
-            <a:pPr algn="ctr"/>
-            <a:endParaRPr lang="pt-BR" altLang="en-US"/>
-          </a:p>
-        </p:txBody>
-      </p:sp>
-      <p:sp>
-        <p:nvSpPr>
-          <p:cNvPr id="53" name="Retângulo 52"/>
-          <p:cNvSpPr/>
-          <p:nvPr/>
-        </p:nvSpPr>
-        <p:spPr>
-          <a:xfrm>
-            <a:off x="6612255" y="4709160"/>
-            <a:ext cx="417195" cy="351790"/>
-          </a:xfrm>
-          <a:prstGeom prst="rect">
-            <a:avLst/>
-          </a:prstGeom>
-          <a:ln>
-            <a:solidFill>
-              <a:schemeClr val="tx1"/>
-            </a:solidFill>
-          </a:ln>
-        </p:spPr>
-        <p:style>
-          <a:lnRef idx="2">
-            <a:schemeClr val="accent1"/>
-          </a:lnRef>
-          <a:fillRef idx="0">
-            <a:srgbClr val="FFFFFF"/>
-          </a:fillRef>
-          <a:effectRef idx="0">
-            <a:srgbClr val="FFFFFF"/>
-          </a:effectRef>
-          <a:fontRef idx="minor">
-            <a:schemeClr val="tx1"/>
-          </a:fontRef>
-        </p:style>
-        <p:txBody>
-          <a:bodyPr rtlCol="0" anchor="ctr"/>
-          <a:p>
-            <a:pPr algn="ctr"/>
-            <a:r>
-              <a:rPr lang="pt-BR" altLang="en-US"/>
-              <a:t>P</a:t>
-            </a:r>
-            <a:endParaRPr lang="pt-BR" altLang="en-US"/>
-          </a:p>
-        </p:txBody>
-      </p:sp>
-      <p:sp>
-        <p:nvSpPr>
-          <p:cNvPr id="54" name="Retângulo 53"/>
-          <p:cNvSpPr/>
-          <p:nvPr/>
-        </p:nvSpPr>
-        <p:spPr>
-          <a:xfrm>
-            <a:off x="7029450" y="4709160"/>
-            <a:ext cx="417195" cy="351790"/>
-          </a:xfrm>
-          <a:prstGeom prst="rect">
-            <a:avLst/>
-          </a:prstGeom>
-          <a:ln>
-            <a:solidFill>
-              <a:schemeClr val="tx1"/>
-            </a:solidFill>
-          </a:ln>
-        </p:spPr>
-        <p:style>
-          <a:lnRef idx="2">
-            <a:schemeClr val="accent1"/>
-          </a:lnRef>
-          <a:fillRef idx="0">
-            <a:srgbClr val="FFFFFF"/>
-          </a:fillRef>
-          <a:effectRef idx="0">
-            <a:srgbClr val="FFFFFF"/>
-          </a:effectRef>
-          <a:fontRef idx="minor">
-            <a:schemeClr val="tx1"/>
-          </a:fontRef>
-        </p:style>
-        <p:txBody>
-          <a:bodyPr rtlCol="0" anchor="ctr"/>
-          <a:p>
-            <a:pPr algn="ctr"/>
-            <a:r>
-              <a:rPr lang="pt-BR" altLang="en-US"/>
-              <a:t>Q</a:t>
-            </a:r>
-            <a:endParaRPr lang="pt-BR" altLang="en-US"/>
-          </a:p>
-        </p:txBody>
-      </p:sp>
-      <p:sp>
-        <p:nvSpPr>
-          <p:cNvPr id="55" name="Retângulo 54"/>
-          <p:cNvSpPr/>
-          <p:nvPr/>
-        </p:nvSpPr>
-        <p:spPr>
-          <a:xfrm>
-            <a:off x="7446645" y="4709160"/>
-            <a:ext cx="417195" cy="351790"/>
-          </a:xfrm>
-          <a:prstGeom prst="rect">
-            <a:avLst/>
-          </a:prstGeom>
-          <a:ln>
-            <a:solidFill>
-              <a:schemeClr val="tx1"/>
-            </a:solidFill>
-          </a:ln>
-        </p:spPr>
-        <p:style>
-          <a:lnRef idx="2">
-            <a:schemeClr val="accent1"/>
-          </a:lnRef>
-          <a:fillRef idx="0">
-            <a:srgbClr val="FFFFFF"/>
-          </a:fillRef>
-          <a:effectRef idx="0">
-            <a:srgbClr val="FFFFFF"/>
-          </a:effectRef>
-          <a:fontRef idx="minor">
-            <a:schemeClr val="tx1"/>
-          </a:fontRef>
-        </p:style>
-        <p:txBody>
-          <a:bodyPr rtlCol="0" anchor="ctr"/>
-          <a:p>
-            <a:pPr algn="ctr"/>
-            <a:r>
-              <a:rPr lang="pt-BR" altLang="en-US"/>
-              <a:t>S</a:t>
-            </a:r>
-            <a:endParaRPr lang="pt-BR" altLang="en-US"/>
-          </a:p>
-        </p:txBody>
-      </p:sp>
-      <p:sp>
-        <p:nvSpPr>
-          <p:cNvPr id="56" name="Retângulo 55"/>
-          <p:cNvSpPr/>
-          <p:nvPr/>
-        </p:nvSpPr>
-        <p:spPr>
-          <a:xfrm>
-            <a:off x="7863840" y="4709160"/>
-            <a:ext cx="417195" cy="351790"/>
-          </a:xfrm>
-          <a:prstGeom prst="rect">
-            <a:avLst/>
-          </a:prstGeom>
-          <a:ln>
-            <a:solidFill>
-              <a:schemeClr val="tx1"/>
-            </a:solidFill>
-          </a:ln>
-        </p:spPr>
-        <p:style>
-          <a:lnRef idx="2">
-            <a:schemeClr val="accent1"/>
-          </a:lnRef>
-          <a:fillRef idx="0">
-            <a:srgbClr val="FFFFFF"/>
-          </a:fillRef>
-          <a:effectRef idx="0">
-            <a:srgbClr val="FFFFFF"/>
-          </a:effectRef>
-          <a:fontRef idx="minor">
-            <a:schemeClr val="tx1"/>
-          </a:fontRef>
-        </p:style>
-        <p:txBody>
-          <a:bodyPr rtlCol="0" anchor="ctr"/>
-          <a:p>
-            <a:pPr algn="ctr"/>
-            <a:r>
-              <a:rPr lang="pt-BR" altLang="en-US"/>
-              <a:t>T</a:t>
-            </a:r>
-            <a:endParaRPr lang="pt-BR" altLang="en-US"/>
-          </a:p>
-        </p:txBody>
-      </p:sp>
-      <p:sp>
-        <p:nvSpPr>
-          <p:cNvPr id="57" name="Retângulo 56"/>
-          <p:cNvSpPr/>
-          <p:nvPr/>
-        </p:nvSpPr>
-        <p:spPr>
-          <a:xfrm>
-            <a:off x="8753475" y="4357370"/>
-            <a:ext cx="417195" cy="351790"/>
-          </a:xfrm>
-          <a:prstGeom prst="rect">
-            <a:avLst/>
-          </a:prstGeom>
-          <a:ln>
-            <a:solidFill>
-              <a:schemeClr val="tx1"/>
-            </a:solidFill>
-          </a:ln>
-        </p:spPr>
-        <p:style>
-          <a:lnRef idx="2">
-            <a:schemeClr val="accent1"/>
-          </a:lnRef>
-          <a:fillRef idx="0">
-            <a:srgbClr val="FFFFFF"/>
-          </a:fillRef>
-          <a:effectRef idx="0">
-            <a:srgbClr val="FFFFFF"/>
-          </a:effectRef>
-          <a:fontRef idx="minor">
-            <a:schemeClr val="tx1"/>
-          </a:fontRef>
-        </p:style>
-        <p:txBody>
-          <a:bodyPr rtlCol="0" anchor="ctr"/>
-          <a:p>
-            <a:pPr algn="ctr"/>
-            <a:r>
-              <a:rPr lang="pt-BR" altLang="en-US"/>
-              <a:t>V</a:t>
-            </a:r>
-            <a:endParaRPr lang="pt-BR" altLang="en-US"/>
-          </a:p>
-        </p:txBody>
-      </p:sp>
-      <p:sp>
-        <p:nvSpPr>
-          <p:cNvPr id="58" name="Retângulo 57"/>
-          <p:cNvSpPr/>
-          <p:nvPr/>
-        </p:nvSpPr>
-        <p:spPr>
-          <a:xfrm>
-            <a:off x="9170670" y="4357370"/>
-            <a:ext cx="417195" cy="351790"/>
-          </a:xfrm>
-          <a:prstGeom prst="rect">
-            <a:avLst/>
-          </a:prstGeom>
-          <a:ln>
-            <a:solidFill>
-              <a:schemeClr val="tx1"/>
-            </a:solidFill>
-          </a:ln>
-        </p:spPr>
-        <p:style>
-          <a:lnRef idx="2">
-            <a:schemeClr val="accent1"/>
-          </a:lnRef>
-          <a:fillRef idx="0">
-            <a:srgbClr val="FFFFFF"/>
-          </a:fillRef>
-          <a:effectRef idx="0">
-            <a:srgbClr val="FFFFFF"/>
-          </a:effectRef>
-          <a:fontRef idx="minor">
-            <a:schemeClr val="tx1"/>
-          </a:fontRef>
-        </p:style>
-        <p:txBody>
-          <a:bodyPr rtlCol="0" anchor="ctr"/>
-          <a:p>
-            <a:pPr algn="ctr"/>
-            <a:r>
-              <a:rPr lang="pt-BR" altLang="en-US"/>
-              <a:t>W</a:t>
-            </a:r>
-            <a:endParaRPr lang="pt-BR" altLang="en-US"/>
-          </a:p>
-        </p:txBody>
-      </p:sp>
-      <p:sp>
-        <p:nvSpPr>
-          <p:cNvPr id="59" name="Retângulo 58"/>
-          <p:cNvSpPr/>
-          <p:nvPr/>
-        </p:nvSpPr>
-        <p:spPr>
-          <a:xfrm>
-            <a:off x="9587865" y="4357370"/>
-            <a:ext cx="417195" cy="351790"/>
-          </a:xfrm>
-          <a:prstGeom prst="rect">
-            <a:avLst/>
-          </a:prstGeom>
-          <a:ln>
-            <a:solidFill>
-              <a:schemeClr val="tx1"/>
-            </a:solidFill>
-          </a:ln>
-        </p:spPr>
-        <p:style>
-          <a:lnRef idx="2">
-            <a:schemeClr val="accent1"/>
-          </a:lnRef>
-          <a:fillRef idx="0">
-            <a:srgbClr val="FFFFFF"/>
-          </a:fillRef>
-          <a:effectRef idx="0">
-            <a:srgbClr val="FFFFFF"/>
-          </a:effectRef>
-          <a:fontRef idx="minor">
-            <a:schemeClr val="tx1"/>
-          </a:fontRef>
-        </p:style>
-        <p:txBody>
-          <a:bodyPr rtlCol="0" anchor="ctr"/>
-          <a:p>
-            <a:pPr algn="ctr"/>
-            <a:endParaRPr lang="pt-BR" altLang="en-US"/>
-          </a:p>
-        </p:txBody>
-      </p:sp>
-      <p:sp>
-        <p:nvSpPr>
           <p:cNvPr id="60" name="Retângulo 59"/>
           <p:cNvSpPr/>
           <p:nvPr/>
@@ -16538,48 +16906,6 @@
         <p:spPr>
           <a:xfrm>
             <a:off x="10005060" y="4357370"/>
-            <a:ext cx="417195" cy="351790"/>
-          </a:xfrm>
-          <a:prstGeom prst="rect">
-            <a:avLst/>
-          </a:prstGeom>
-          <a:ln>
-            <a:solidFill>
-              <a:schemeClr val="tx1"/>
-            </a:solidFill>
-          </a:ln>
-        </p:spPr>
-        <p:style>
-          <a:lnRef idx="2">
-            <a:schemeClr val="accent1"/>
-          </a:lnRef>
-          <a:fillRef idx="0">
-            <a:srgbClr val="FFFFFF"/>
-          </a:fillRef>
-          <a:effectRef idx="0">
-            <a:srgbClr val="FFFFFF"/>
-          </a:effectRef>
-          <a:fontRef idx="minor">
-            <a:schemeClr val="tx1"/>
-          </a:fontRef>
-        </p:style>
-        <p:txBody>
-          <a:bodyPr rtlCol="0" anchor="ctr"/>
-          <a:p>
-            <a:pPr algn="ctr"/>
-            <a:endParaRPr lang="pt-BR" altLang="en-US"/>
-          </a:p>
-        </p:txBody>
-      </p:sp>
-      <p:sp>
-        <p:nvSpPr>
-          <p:cNvPr id="65" name="Retângulo 64"/>
-          <p:cNvSpPr/>
-          <p:nvPr/>
-        </p:nvSpPr>
-        <p:spPr>
-          <a:xfrm>
-            <a:off x="10114915" y="3679190"/>
             <a:ext cx="417195" cy="351790"/>
           </a:xfrm>
           <a:prstGeom prst="rect">
@@ -16613,132 +16939,6 @@
               <a:rPr lang="pt-BR" altLang="en-US"/>
               <a:t>Y</a:t>
             </a:r>
-            <a:endParaRPr lang="pt-BR" altLang="en-US"/>
-          </a:p>
-        </p:txBody>
-      </p:sp>
-      <p:sp>
-        <p:nvSpPr>
-          <p:cNvPr id="66" name="Retângulo 65"/>
-          <p:cNvSpPr/>
-          <p:nvPr/>
-        </p:nvSpPr>
-        <p:spPr>
-          <a:xfrm>
-            <a:off x="10532110" y="3679190"/>
-            <a:ext cx="417195" cy="351790"/>
-          </a:xfrm>
-          <a:prstGeom prst="rect">
-            <a:avLst/>
-          </a:prstGeom>
-          <a:ln>
-            <a:solidFill>
-              <a:schemeClr val="tx1"/>
-            </a:solidFill>
-          </a:ln>
-        </p:spPr>
-        <p:style>
-          <a:lnRef idx="2">
-            <a:schemeClr val="accent1"/>
-          </a:lnRef>
-          <a:fillRef idx="0">
-            <a:srgbClr val="FFFFFF"/>
-          </a:fillRef>
-          <a:effectRef idx="0">
-            <a:srgbClr val="FFFFFF"/>
-          </a:effectRef>
-          <a:fontRef idx="minor">
-            <a:schemeClr val="tx1"/>
-          </a:fontRef>
-        </p:style>
-        <p:txBody>
-          <a:bodyPr rtlCol="0" anchor="ctr"/>
-          <a:p>
-            <a:pPr algn="ctr"/>
-            <a:endParaRPr lang="pt-BR" altLang="en-US"/>
-          </a:p>
-        </p:txBody>
-      </p:sp>
-      <p:sp>
-        <p:nvSpPr>
-          <p:cNvPr id="67" name="Retângulo 66"/>
-          <p:cNvSpPr/>
-          <p:nvPr/>
-        </p:nvSpPr>
-        <p:spPr>
-          <a:xfrm>
-            <a:off x="10949305" y="3679190"/>
-            <a:ext cx="417195" cy="351790"/>
-          </a:xfrm>
-          <a:prstGeom prst="rect">
-            <a:avLst/>
-          </a:prstGeom>
-          <a:ln>
-            <a:solidFill>
-              <a:schemeClr val="tx1"/>
-            </a:solidFill>
-          </a:ln>
-        </p:spPr>
-        <p:style>
-          <a:lnRef idx="2">
-            <a:schemeClr val="accent1"/>
-          </a:lnRef>
-          <a:fillRef idx="0">
-            <a:srgbClr val="FFFFFF"/>
-          </a:fillRef>
-          <a:effectRef idx="0">
-            <a:srgbClr val="FFFFFF"/>
-          </a:effectRef>
-          <a:fontRef idx="minor">
-            <a:schemeClr val="tx1"/>
-          </a:fontRef>
-        </p:style>
-        <p:txBody>
-          <a:bodyPr rtlCol="0" anchor="ctr"/>
-          <a:p>
-            <a:pPr algn="ctr"/>
-            <a:endParaRPr lang="pt-BR" altLang="en-US"/>
-          </a:p>
-        </p:txBody>
-      </p:sp>
-      <p:sp>
-        <p:nvSpPr>
-          <p:cNvPr id="68" name="Retângulo 67"/>
-          <p:cNvSpPr/>
-          <p:nvPr/>
-        </p:nvSpPr>
-        <p:spPr>
-          <a:xfrm>
-            <a:off x="11366500" y="3679190"/>
-            <a:ext cx="417195" cy="351790"/>
-          </a:xfrm>
-          <a:prstGeom prst="rect">
-            <a:avLst/>
-          </a:prstGeom>
-          <a:ln>
-            <a:solidFill>
-              <a:schemeClr val="tx1"/>
-            </a:solidFill>
-          </a:ln>
-        </p:spPr>
-        <p:style>
-          <a:lnRef idx="2">
-            <a:schemeClr val="accent1"/>
-          </a:lnRef>
-          <a:fillRef idx="0">
-            <a:srgbClr val="FFFFFF"/>
-          </a:fillRef>
-          <a:effectRef idx="0">
-            <a:srgbClr val="FFFFFF"/>
-          </a:effectRef>
-          <a:fontRef idx="minor">
-            <a:schemeClr val="tx1"/>
-          </a:fontRef>
-        </p:style>
-        <p:txBody>
-          <a:bodyPr rtlCol="0" anchor="ctr"/>
-          <a:p>
-            <a:pPr algn="ctr"/>
             <a:endParaRPr lang="pt-BR" altLang="en-US"/>
           </a:p>
         </p:txBody>
@@ -16822,15 +17022,15 @@
         <p:nvCxnSpPr>
           <p:cNvPr id="72" name="Conector de Seta Reta 71"/>
           <p:cNvCxnSpPr>
-            <a:stCxn id="21" idx="2"/>
+            <a:stCxn id="26" idx="2"/>
             <a:endCxn id="49" idx="0"/>
           </p:cNvCxnSpPr>
           <p:nvPr/>
         </p:nvCxnSpPr>
         <p:spPr>
-          <a:xfrm flipH="1">
-            <a:off x="4160520" y="2860040"/>
-            <a:ext cx="2348230" cy="1849120"/>
+          <a:xfrm>
+            <a:off x="1939290" y="2860040"/>
+            <a:ext cx="1235710" cy="1280160"/>
           </a:xfrm>
           <a:prstGeom prst="straightConnector1">
             <a:avLst/>
@@ -16861,15 +17061,15 @@
         <p:nvCxnSpPr>
           <p:cNvPr id="73" name="Conector de Seta Reta 72"/>
           <p:cNvCxnSpPr>
-            <a:stCxn id="22" idx="2"/>
+            <a:stCxn id="21" idx="2"/>
             <a:endCxn id="53" idx="0"/>
           </p:cNvCxnSpPr>
           <p:nvPr/>
         </p:nvCxnSpPr>
         <p:spPr>
-          <a:xfrm flipH="1">
-            <a:off x="6821170" y="2860040"/>
-            <a:ext cx="104775" cy="1849120"/>
+          <a:xfrm>
+            <a:off x="6508750" y="2860040"/>
+            <a:ext cx="312420" cy="1849120"/>
           </a:xfrm>
           <a:prstGeom prst="straightConnector1">
             <a:avLst/>
@@ -16979,13 +17179,14 @@
           <p:cNvPr id="77" name="Conector de Seta Reta 76"/>
           <p:cNvCxnSpPr>
             <a:stCxn id="25" idx="2"/>
+            <a:endCxn id="41" idx="0"/>
           </p:cNvCxnSpPr>
           <p:nvPr/>
         </p:nvCxnSpPr>
         <p:spPr>
           <a:xfrm>
             <a:off x="1522095" y="2860040"/>
-            <a:ext cx="1361440" cy="819150"/>
+            <a:ext cx="610235" cy="2175510"/>
           </a:xfrm>
           <a:prstGeom prst="straightConnector1">
             <a:avLst/>
@@ -17016,54 +17217,15 @@
         <p:nvCxnSpPr>
           <p:cNvPr id="79" name="Conector de Seta Reta 78"/>
           <p:cNvCxnSpPr>
-            <a:stCxn id="23" idx="2"/>
+            <a:stCxn id="22" idx="2"/>
             <a:endCxn id="57" idx="0"/>
           </p:cNvCxnSpPr>
           <p:nvPr/>
         </p:nvCxnSpPr>
         <p:spPr>
           <a:xfrm>
-            <a:off x="7343140" y="2860040"/>
-            <a:ext cx="1619250" cy="1497330"/>
-          </a:xfrm>
-          <a:prstGeom prst="straightConnector1">
-            <a:avLst/>
-          </a:prstGeom>
-          <a:ln>
-            <a:solidFill>
-              <a:schemeClr val="tx1"/>
-            </a:solidFill>
-            <a:tailEnd type="arrow"/>
-          </a:ln>
-        </p:spPr>
-        <p:style>
-          <a:lnRef idx="2">
-            <a:schemeClr val="accent1"/>
-          </a:lnRef>
-          <a:fillRef idx="0">
-            <a:srgbClr val="FFFFFF"/>
-          </a:fillRef>
-          <a:effectRef idx="0">
-            <a:srgbClr val="FFFFFF"/>
-          </a:effectRef>
-          <a:fontRef idx="minor">
-            <a:schemeClr val="tx1"/>
-          </a:fontRef>
-        </p:style>
-      </p:cxnSp>
-      <p:cxnSp>
-        <p:nvCxnSpPr>
-          <p:cNvPr id="80" name="Conector de Seta Reta 79"/>
-          <p:cNvCxnSpPr>
-            <a:stCxn id="24" idx="2"/>
-            <a:endCxn id="65" idx="0"/>
-          </p:cNvCxnSpPr>
-          <p:nvPr/>
-        </p:nvCxnSpPr>
-        <p:spPr>
-          <a:xfrm>
-            <a:off x="7760335" y="2860040"/>
-            <a:ext cx="2563495" cy="819150"/>
+            <a:off x="6925945" y="2860040"/>
+            <a:ext cx="2036445" cy="1497330"/>
           </a:xfrm>
           <a:prstGeom prst="straightConnector1">
             <a:avLst/>
@@ -17196,7 +17358,27 @@
                 <a:latin typeface="Calibri" panose="020F0502020204030204"/>
                 <a:ea typeface="Calibri" panose="020F0502020204030204"/>
               </a:rPr>
-              <a:t>, K.</a:t>
+              <a:t>, </a:t>
+            </a:r>
+            <a:r>
+              <a:rPr lang="en-US" altLang="zh-CN" sz="1600">
+                <a:solidFill>
+                  <a:srgbClr val="FF0000"/>
+                </a:solidFill>
+                <a:latin typeface="Calibri" panose="020F0502020204030204"/>
+                <a:ea typeface="Calibri" panose="020F0502020204030204"/>
+              </a:rPr>
+              <a:t>K</a:t>
+            </a:r>
+            <a:r>
+              <a:rPr lang="en-US" altLang="zh-CN" sz="1600">
+                <a:solidFill>
+                  <a:srgbClr val="3B3B3B"/>
+                </a:solidFill>
+                <a:latin typeface="Calibri" panose="020F0502020204030204"/>
+                <a:ea typeface="Calibri" panose="020F0502020204030204"/>
+              </a:rPr>
+              <a:t>.</a:t>
             </a:r>
             <a:endParaRPr lang="en-US" altLang="zh-CN" sz="1600">
               <a:solidFill>
@@ -17248,7 +17430,7 @@
             <a:pPr algn="ctr"/>
             <a:r>
               <a:rPr lang="pt-BR" altLang="en-US"/>
-              <a:t>I</a:t>
+              <a:t>L</a:t>
             </a:r>
             <a:endParaRPr lang="pt-BR" altLang="en-US"/>
           </a:p>
@@ -17389,52 +17571,6 @@
         <p:spPr>
           <a:xfrm>
             <a:off x="6299835" y="2508250"/>
-            <a:ext cx="417195" cy="351790"/>
-          </a:xfrm>
-          <a:prstGeom prst="rect">
-            <a:avLst/>
-          </a:prstGeom>
-          <a:ln>
-            <a:solidFill>
-              <a:schemeClr val="tx1"/>
-            </a:solidFill>
-          </a:ln>
-        </p:spPr>
-        <p:style>
-          <a:lnRef idx="2">
-            <a:schemeClr val="accent1"/>
-          </a:lnRef>
-          <a:fillRef idx="0">
-            <a:srgbClr val="FFFFFF"/>
-          </a:fillRef>
-          <a:effectRef idx="0">
-            <a:srgbClr val="FFFFFF"/>
-          </a:effectRef>
-          <a:fontRef idx="minor">
-            <a:schemeClr val="tx1"/>
-          </a:fontRef>
-        </p:style>
-        <p:txBody>
-          <a:bodyPr rtlCol="0" anchor="ctr"/>
-          <a:p>
-            <a:pPr algn="ctr"/>
-            <a:r>
-              <a:rPr lang="pt-BR" altLang="en-US"/>
-              <a:t>L</a:t>
-            </a:r>
-            <a:endParaRPr lang="pt-BR" altLang="en-US"/>
-          </a:p>
-        </p:txBody>
-      </p:sp>
-      <p:sp>
-        <p:nvSpPr>
-          <p:cNvPr id="22" name="Retângulo 21"/>
-          <p:cNvSpPr/>
-          <p:nvPr/>
-        </p:nvSpPr>
-        <p:spPr>
-          <a:xfrm>
-            <a:off x="6717030" y="2508250"/>
             <a:ext cx="417195" cy="351790"/>
           </a:xfrm>
           <a:prstGeom prst="rect">
@@ -17474,13 +17610,13 @@
       </p:sp>
       <p:sp>
         <p:nvSpPr>
-          <p:cNvPr id="23" name="Retângulo 22"/>
-          <p:cNvSpPr/>
-          <p:nvPr/>
-        </p:nvSpPr>
-        <p:spPr>
-          <a:xfrm>
-            <a:off x="7134225" y="2508250"/>
+          <p:cNvPr id="22" name="Retângulo 21"/>
+          <p:cNvSpPr/>
+          <p:nvPr/>
+        </p:nvSpPr>
+        <p:spPr>
+          <a:xfrm>
+            <a:off x="6717030" y="2508250"/>
             <a:ext cx="417195" cy="351790"/>
           </a:xfrm>
           <a:prstGeom prst="rect">
@@ -17520,6 +17656,48 @@
       </p:sp>
       <p:sp>
         <p:nvSpPr>
+          <p:cNvPr id="23" name="Retângulo 22"/>
+          <p:cNvSpPr/>
+          <p:nvPr/>
+        </p:nvSpPr>
+        <p:spPr>
+          <a:xfrm>
+            <a:off x="7134225" y="2508250"/>
+            <a:ext cx="417195" cy="351790"/>
+          </a:xfrm>
+          <a:prstGeom prst="rect">
+            <a:avLst/>
+          </a:prstGeom>
+          <a:ln>
+            <a:solidFill>
+              <a:schemeClr val="tx1"/>
+            </a:solidFill>
+          </a:ln>
+        </p:spPr>
+        <p:style>
+          <a:lnRef idx="2">
+            <a:schemeClr val="accent1"/>
+          </a:lnRef>
+          <a:fillRef idx="0">
+            <a:srgbClr val="FFFFFF"/>
+          </a:fillRef>
+          <a:effectRef idx="0">
+            <a:srgbClr val="FFFFFF"/>
+          </a:effectRef>
+          <a:fontRef idx="minor">
+            <a:schemeClr val="tx1"/>
+          </a:fontRef>
+        </p:style>
+        <p:txBody>
+          <a:bodyPr rtlCol="0" anchor="ctr"/>
+          <a:p>
+            <a:pPr algn="ctr"/>
+            <a:endParaRPr lang="pt-BR" altLang="en-US"/>
+          </a:p>
+        </p:txBody>
+      </p:sp>
+      <p:sp>
+        <p:nvSpPr>
           <p:cNvPr id="24" name="Retângulo 23"/>
           <p:cNvSpPr/>
           <p:nvPr/>
@@ -17924,7 +18102,7 @@
         </p:nvSpPr>
         <p:spPr>
           <a:xfrm>
-            <a:off x="2674620" y="3679190"/>
+            <a:off x="1923415" y="5035550"/>
             <a:ext cx="417195" cy="351790"/>
           </a:xfrm>
           <a:prstGeom prst="rect">
@@ -17970,7 +18148,7 @@
         </p:nvSpPr>
         <p:spPr>
           <a:xfrm>
-            <a:off x="3091815" y="3679190"/>
+            <a:off x="2340610" y="5035550"/>
             <a:ext cx="417195" cy="351790"/>
           </a:xfrm>
           <a:prstGeom prst="rect">
@@ -18016,36 +18194,40 @@
         </p:nvSpPr>
         <p:spPr>
           <a:xfrm>
-            <a:off x="3509010" y="3679190"/>
-            <a:ext cx="417195" cy="351790"/>
-          </a:xfrm>
-          <a:prstGeom prst="rect">
-            <a:avLst/>
-          </a:prstGeom>
-          <a:ln>
-            <a:solidFill>
-              <a:schemeClr val="tx1"/>
-            </a:solidFill>
-          </a:ln>
-        </p:spPr>
-        <p:style>
-          <a:lnRef idx="2">
-            <a:schemeClr val="accent1"/>
-          </a:lnRef>
-          <a:fillRef idx="0">
-            <a:srgbClr val="FFFFFF"/>
-          </a:fillRef>
-          <a:effectRef idx="0">
-            <a:srgbClr val="FFFFFF"/>
-          </a:effectRef>
-          <a:fontRef idx="minor">
-            <a:schemeClr val="tx1"/>
-          </a:fontRef>
-        </p:style>
-        <p:txBody>
-          <a:bodyPr rtlCol="0" anchor="ctr"/>
-          <a:p>
-            <a:pPr algn="ctr"/>
+            <a:off x="2757805" y="5035550"/>
+            <a:ext cx="417195" cy="351790"/>
+          </a:xfrm>
+          <a:prstGeom prst="rect">
+            <a:avLst/>
+          </a:prstGeom>
+          <a:ln>
+            <a:solidFill>
+              <a:schemeClr val="tx1"/>
+            </a:solidFill>
+          </a:ln>
+        </p:spPr>
+        <p:style>
+          <a:lnRef idx="2">
+            <a:schemeClr val="accent1"/>
+          </a:lnRef>
+          <a:fillRef idx="0">
+            <a:srgbClr val="FFFFFF"/>
+          </a:fillRef>
+          <a:effectRef idx="0">
+            <a:srgbClr val="FFFFFF"/>
+          </a:effectRef>
+          <a:fontRef idx="minor">
+            <a:schemeClr val="tx1"/>
+          </a:fontRef>
+        </p:style>
+        <p:txBody>
+          <a:bodyPr rtlCol="0" anchor="ctr"/>
+          <a:p>
+            <a:pPr algn="ctr"/>
+            <a:r>
+              <a:rPr lang="pt-BR" altLang="en-US"/>
+              <a:t>I</a:t>
+            </a:r>
             <a:endParaRPr lang="pt-BR" altLang="en-US"/>
           </a:p>
         </p:txBody>
@@ -18058,36 +18240,40 @@
         </p:nvSpPr>
         <p:spPr>
           <a:xfrm>
-            <a:off x="3926205" y="3679190"/>
-            <a:ext cx="417195" cy="351790"/>
-          </a:xfrm>
-          <a:prstGeom prst="rect">
-            <a:avLst/>
-          </a:prstGeom>
-          <a:ln>
-            <a:solidFill>
-              <a:schemeClr val="tx1"/>
-            </a:solidFill>
-          </a:ln>
-        </p:spPr>
-        <p:style>
-          <a:lnRef idx="2">
-            <a:schemeClr val="accent1"/>
-          </a:lnRef>
-          <a:fillRef idx="0">
-            <a:srgbClr val="FFFFFF"/>
-          </a:fillRef>
-          <a:effectRef idx="0">
-            <a:srgbClr val="FFFFFF"/>
-          </a:effectRef>
-          <a:fontRef idx="minor">
-            <a:schemeClr val="tx1"/>
-          </a:fontRef>
-        </p:style>
-        <p:txBody>
-          <a:bodyPr rtlCol="0" anchor="ctr"/>
-          <a:p>
-            <a:pPr algn="ctr"/>
+            <a:off x="3175000" y="5035550"/>
+            <a:ext cx="417195" cy="351790"/>
+          </a:xfrm>
+          <a:prstGeom prst="rect">
+            <a:avLst/>
+          </a:prstGeom>
+          <a:ln>
+            <a:solidFill>
+              <a:schemeClr val="tx1"/>
+            </a:solidFill>
+          </a:ln>
+        </p:spPr>
+        <p:style>
+          <a:lnRef idx="2">
+            <a:schemeClr val="accent1"/>
+          </a:lnRef>
+          <a:fillRef idx="0">
+            <a:srgbClr val="FFFFFF"/>
+          </a:fillRef>
+          <a:effectRef idx="0">
+            <a:srgbClr val="FFFFFF"/>
+          </a:effectRef>
+          <a:fontRef idx="minor">
+            <a:schemeClr val="tx1"/>
+          </a:fontRef>
+        </p:style>
+        <p:txBody>
+          <a:bodyPr rtlCol="0" anchor="ctr"/>
+          <a:p>
+            <a:pPr algn="ctr"/>
+            <a:r>
+              <a:rPr lang="pt-BR" altLang="en-US"/>
+              <a:t>J</a:t>
+            </a:r>
             <a:endParaRPr lang="pt-BR" altLang="en-US"/>
           </a:p>
         </p:txBody>
@@ -18235,182 +18421,6 @@
         <p:spPr>
           <a:xfrm>
             <a:off x="6502400" y="5387340"/>
-            <a:ext cx="417195" cy="351790"/>
-          </a:xfrm>
-          <a:prstGeom prst="rect">
-            <a:avLst/>
-          </a:prstGeom>
-          <a:ln>
-            <a:solidFill>
-              <a:schemeClr val="tx1"/>
-            </a:solidFill>
-          </a:ln>
-        </p:spPr>
-        <p:style>
-          <a:lnRef idx="2">
-            <a:schemeClr val="accent1"/>
-          </a:lnRef>
-          <a:fillRef idx="0">
-            <a:srgbClr val="FFFFFF"/>
-          </a:fillRef>
-          <a:effectRef idx="0">
-            <a:srgbClr val="FFFFFF"/>
-          </a:effectRef>
-          <a:fontRef idx="minor">
-            <a:schemeClr val="tx1"/>
-          </a:fontRef>
-        </p:style>
-        <p:txBody>
-          <a:bodyPr rtlCol="0" anchor="ctr"/>
-          <a:p>
-            <a:pPr algn="ctr"/>
-            <a:endParaRPr lang="pt-BR" altLang="en-US"/>
-          </a:p>
-        </p:txBody>
-      </p:sp>
-      <p:sp>
-        <p:nvSpPr>
-          <p:cNvPr id="49" name="Retângulo 48"/>
-          <p:cNvSpPr/>
-          <p:nvPr/>
-        </p:nvSpPr>
-        <p:spPr>
-          <a:xfrm>
-            <a:off x="3951605" y="4709160"/>
-            <a:ext cx="417195" cy="351790"/>
-          </a:xfrm>
-          <a:prstGeom prst="rect">
-            <a:avLst/>
-          </a:prstGeom>
-          <a:ln>
-            <a:solidFill>
-              <a:schemeClr val="tx1"/>
-            </a:solidFill>
-          </a:ln>
-        </p:spPr>
-        <p:style>
-          <a:lnRef idx="2">
-            <a:schemeClr val="accent1"/>
-          </a:lnRef>
-          <a:fillRef idx="0">
-            <a:srgbClr val="FFFFFF"/>
-          </a:fillRef>
-          <a:effectRef idx="0">
-            <a:srgbClr val="FFFFFF"/>
-          </a:effectRef>
-          <a:fontRef idx="minor">
-            <a:schemeClr val="tx1"/>
-          </a:fontRef>
-        </p:style>
-        <p:txBody>
-          <a:bodyPr rtlCol="0" anchor="ctr"/>
-          <a:p>
-            <a:pPr algn="ctr"/>
-            <a:r>
-              <a:rPr lang="pt-BR" altLang="en-US"/>
-              <a:t>J</a:t>
-            </a:r>
-            <a:endParaRPr lang="pt-BR" altLang="en-US"/>
-          </a:p>
-        </p:txBody>
-      </p:sp>
-      <p:sp>
-        <p:nvSpPr>
-          <p:cNvPr id="50" name="Retângulo 49"/>
-          <p:cNvSpPr/>
-          <p:nvPr/>
-        </p:nvSpPr>
-        <p:spPr>
-          <a:xfrm>
-            <a:off x="4368800" y="4709160"/>
-            <a:ext cx="417195" cy="351790"/>
-          </a:xfrm>
-          <a:prstGeom prst="rect">
-            <a:avLst/>
-          </a:prstGeom>
-          <a:ln>
-            <a:solidFill>
-              <a:schemeClr val="tx1"/>
-            </a:solidFill>
-          </a:ln>
-        </p:spPr>
-        <p:style>
-          <a:lnRef idx="2">
-            <a:schemeClr val="accent1"/>
-          </a:lnRef>
-          <a:fillRef idx="0">
-            <a:srgbClr val="FFFFFF"/>
-          </a:fillRef>
-          <a:effectRef idx="0">
-            <a:srgbClr val="FFFFFF"/>
-          </a:effectRef>
-          <a:fontRef idx="minor">
-            <a:schemeClr val="tx1"/>
-          </a:fontRef>
-        </p:style>
-        <p:txBody>
-          <a:bodyPr rtlCol="0" anchor="ctr"/>
-          <a:p>
-            <a:pPr algn="ctr"/>
-            <a:r>
-              <a:rPr lang="pt-BR" altLang="en-US"/>
-              <a:t>K</a:t>
-            </a:r>
-            <a:endParaRPr lang="pt-BR" altLang="en-US"/>
-          </a:p>
-        </p:txBody>
-      </p:sp>
-      <p:sp>
-        <p:nvSpPr>
-          <p:cNvPr id="51" name="Retângulo 50"/>
-          <p:cNvSpPr/>
-          <p:nvPr/>
-        </p:nvSpPr>
-        <p:spPr>
-          <a:xfrm>
-            <a:off x="4785995" y="4709160"/>
-            <a:ext cx="417195" cy="351790"/>
-          </a:xfrm>
-          <a:prstGeom prst="rect">
-            <a:avLst/>
-          </a:prstGeom>
-          <a:ln>
-            <a:solidFill>
-              <a:schemeClr val="tx1"/>
-            </a:solidFill>
-          </a:ln>
-        </p:spPr>
-        <p:style>
-          <a:lnRef idx="2">
-            <a:schemeClr val="accent1"/>
-          </a:lnRef>
-          <a:fillRef idx="0">
-            <a:srgbClr val="FFFFFF"/>
-          </a:fillRef>
-          <a:effectRef idx="0">
-            <a:srgbClr val="FFFFFF"/>
-          </a:effectRef>
-          <a:fontRef idx="minor">
-            <a:schemeClr val="tx1"/>
-          </a:fontRef>
-        </p:style>
-        <p:txBody>
-          <a:bodyPr rtlCol="0" anchor="ctr"/>
-          <a:p>
-            <a:pPr algn="ctr"/>
-            <a:endParaRPr lang="pt-BR" altLang="en-US"/>
-          </a:p>
-        </p:txBody>
-      </p:sp>
-      <p:sp>
-        <p:nvSpPr>
-          <p:cNvPr id="52" name="Retângulo 51"/>
-          <p:cNvSpPr/>
-          <p:nvPr/>
-        </p:nvSpPr>
-        <p:spPr>
-          <a:xfrm>
-            <a:off x="5203190" y="4709160"/>
             <a:ext cx="417195" cy="351790"/>
           </a:xfrm>
           <a:prstGeom prst="rect">
@@ -18889,56 +18899,17 @@
       </p:cxnSp>
       <p:cxnSp>
         <p:nvCxnSpPr>
-          <p:cNvPr id="72" name="Conector de Seta Reta 71"/>
+          <p:cNvPr id="73" name="Conector de Seta Reta 72"/>
           <p:cNvCxnSpPr>
             <a:stCxn id="21" idx="2"/>
-            <a:endCxn id="49" idx="0"/>
-          </p:cNvCxnSpPr>
-          <p:nvPr/>
-        </p:nvCxnSpPr>
-        <p:spPr>
-          <a:xfrm flipH="1">
-            <a:off x="4160520" y="2860040"/>
-            <a:ext cx="2348230" cy="1849120"/>
-          </a:xfrm>
-          <a:prstGeom prst="straightConnector1">
-            <a:avLst/>
-          </a:prstGeom>
-          <a:ln>
-            <a:solidFill>
-              <a:schemeClr val="tx1"/>
-            </a:solidFill>
-            <a:tailEnd type="arrow"/>
-          </a:ln>
-        </p:spPr>
-        <p:style>
-          <a:lnRef idx="2">
-            <a:schemeClr val="accent1"/>
-          </a:lnRef>
-          <a:fillRef idx="0">
-            <a:srgbClr val="FFFFFF"/>
-          </a:fillRef>
-          <a:effectRef idx="0">
-            <a:srgbClr val="FFFFFF"/>
-          </a:effectRef>
-          <a:fontRef idx="minor">
-            <a:schemeClr val="tx1"/>
-          </a:fontRef>
-        </p:style>
-      </p:cxnSp>
-      <p:cxnSp>
-        <p:nvCxnSpPr>
-          <p:cNvPr id="73" name="Conector de Seta Reta 72"/>
-          <p:cNvCxnSpPr>
-            <a:stCxn id="22" idx="2"/>
             <a:endCxn id="53" idx="0"/>
           </p:cNvCxnSpPr>
           <p:nvPr/>
         </p:nvCxnSpPr>
         <p:spPr>
-          <a:xfrm flipH="1">
-            <a:off x="6821170" y="2860040"/>
-            <a:ext cx="104775" cy="1849120"/>
+          <a:xfrm>
+            <a:off x="6508750" y="2860040"/>
+            <a:ext cx="312420" cy="1849120"/>
           </a:xfrm>
           <a:prstGeom prst="straightConnector1">
             <a:avLst/>
@@ -19048,13 +19019,14 @@
           <p:cNvPr id="77" name="Conector de Seta Reta 76"/>
           <p:cNvCxnSpPr>
             <a:stCxn id="25" idx="2"/>
+            <a:endCxn id="41" idx="0"/>
           </p:cNvCxnSpPr>
           <p:nvPr/>
         </p:nvCxnSpPr>
         <p:spPr>
           <a:xfrm>
             <a:off x="1522095" y="2860040"/>
-            <a:ext cx="1361440" cy="819150"/>
+            <a:ext cx="610235" cy="2175510"/>
           </a:xfrm>
           <a:prstGeom prst="straightConnector1">
             <a:avLst/>
@@ -19085,15 +19057,15 @@
         <p:nvCxnSpPr>
           <p:cNvPr id="79" name="Conector de Seta Reta 78"/>
           <p:cNvCxnSpPr>
-            <a:stCxn id="23" idx="2"/>
+            <a:stCxn id="22" idx="2"/>
             <a:endCxn id="57" idx="0"/>
           </p:cNvCxnSpPr>
           <p:nvPr/>
         </p:nvCxnSpPr>
         <p:spPr>
           <a:xfrm>
-            <a:off x="7343140" y="2860040"/>
-            <a:ext cx="1619250" cy="1497330"/>
+            <a:off x="6925945" y="2860040"/>
+            <a:ext cx="2036445" cy="1497330"/>
           </a:xfrm>
           <a:prstGeom prst="straightConnector1">
             <a:avLst/>
@@ -19260,13 +19232,473 @@
       </p:sp>
       <p:sp>
         <p:nvSpPr>
-          <p:cNvPr id="18" name="Retângulo 17"/>
-          <p:cNvSpPr/>
-          <p:nvPr/>
-        </p:nvSpPr>
-        <p:spPr>
-          <a:xfrm>
-            <a:off x="5255895" y="1250315"/>
+          <p:cNvPr id="21" name="Retângulo 20"/>
+          <p:cNvSpPr/>
+          <p:nvPr/>
+        </p:nvSpPr>
+        <p:spPr>
+          <a:xfrm>
+            <a:off x="6299835" y="2508250"/>
+            <a:ext cx="417195" cy="351790"/>
+          </a:xfrm>
+          <a:prstGeom prst="rect">
+            <a:avLst/>
+          </a:prstGeom>
+          <a:ln>
+            <a:solidFill>
+              <a:schemeClr val="tx1"/>
+            </a:solidFill>
+          </a:ln>
+        </p:spPr>
+        <p:style>
+          <a:lnRef idx="2">
+            <a:schemeClr val="accent1"/>
+          </a:lnRef>
+          <a:fillRef idx="0">
+            <a:srgbClr val="FFFFFF"/>
+          </a:fillRef>
+          <a:effectRef idx="0">
+            <a:srgbClr val="FFFFFF"/>
+          </a:effectRef>
+          <a:fontRef idx="minor">
+            <a:schemeClr val="tx1"/>
+          </a:fontRef>
+        </p:style>
+        <p:txBody>
+          <a:bodyPr rtlCol="0" anchor="ctr"/>
+          <a:p>
+            <a:pPr algn="ctr"/>
+            <a:r>
+              <a:rPr lang="pt-BR" altLang="en-US"/>
+              <a:t>F</a:t>
+            </a:r>
+            <a:endParaRPr lang="pt-BR" altLang="en-US"/>
+          </a:p>
+        </p:txBody>
+      </p:sp>
+      <p:sp>
+        <p:nvSpPr>
+          <p:cNvPr id="22" name="Retângulo 21"/>
+          <p:cNvSpPr/>
+          <p:nvPr/>
+        </p:nvSpPr>
+        <p:spPr>
+          <a:xfrm>
+            <a:off x="6717030" y="2508250"/>
+            <a:ext cx="417195" cy="351790"/>
+          </a:xfrm>
+          <a:prstGeom prst="rect">
+            <a:avLst/>
+          </a:prstGeom>
+          <a:ln>
+            <a:solidFill>
+              <a:schemeClr val="tx1"/>
+            </a:solidFill>
+          </a:ln>
+        </p:spPr>
+        <p:style>
+          <a:lnRef idx="2">
+            <a:schemeClr val="accent1"/>
+          </a:lnRef>
+          <a:fillRef idx="0">
+            <a:srgbClr val="FFFFFF"/>
+          </a:fillRef>
+          <a:effectRef idx="0">
+            <a:srgbClr val="FFFFFF"/>
+          </a:effectRef>
+          <a:fontRef idx="minor">
+            <a:schemeClr val="tx1"/>
+          </a:fontRef>
+        </p:style>
+        <p:txBody>
+          <a:bodyPr rtlCol="0" anchor="ctr"/>
+          <a:p>
+            <a:pPr algn="ctr"/>
+            <a:r>
+              <a:rPr lang="pt-BR" altLang="en-US"/>
+              <a:t>L</a:t>
+            </a:r>
+            <a:endParaRPr lang="pt-BR" altLang="en-US"/>
+          </a:p>
+        </p:txBody>
+      </p:sp>
+      <p:sp>
+        <p:nvSpPr>
+          <p:cNvPr id="23" name="Retângulo 22"/>
+          <p:cNvSpPr/>
+          <p:nvPr/>
+        </p:nvSpPr>
+        <p:spPr>
+          <a:xfrm>
+            <a:off x="7134225" y="2508250"/>
+            <a:ext cx="417195" cy="351790"/>
+          </a:xfrm>
+          <a:prstGeom prst="rect">
+            <a:avLst/>
+          </a:prstGeom>
+          <a:ln>
+            <a:solidFill>
+              <a:schemeClr val="tx1"/>
+            </a:solidFill>
+          </a:ln>
+        </p:spPr>
+        <p:style>
+          <a:lnRef idx="2">
+            <a:schemeClr val="accent1"/>
+          </a:lnRef>
+          <a:fillRef idx="0">
+            <a:srgbClr val="FFFFFF"/>
+          </a:fillRef>
+          <a:effectRef idx="0">
+            <a:srgbClr val="FFFFFF"/>
+          </a:effectRef>
+          <a:fontRef idx="minor">
+            <a:schemeClr val="tx1"/>
+          </a:fontRef>
+        </p:style>
+        <p:txBody>
+          <a:bodyPr rtlCol="0" anchor="ctr"/>
+          <a:p>
+            <a:pPr algn="ctr"/>
+            <a:r>
+              <a:rPr lang="pt-BR" altLang="en-US"/>
+              <a:t>O</a:t>
+            </a:r>
+            <a:endParaRPr lang="pt-BR" altLang="en-US"/>
+          </a:p>
+        </p:txBody>
+      </p:sp>
+      <p:sp>
+        <p:nvSpPr>
+          <p:cNvPr id="24" name="Retângulo 23"/>
+          <p:cNvSpPr/>
+          <p:nvPr/>
+        </p:nvSpPr>
+        <p:spPr>
+          <a:xfrm>
+            <a:off x="7551420" y="2508250"/>
+            <a:ext cx="417195" cy="351790"/>
+          </a:xfrm>
+          <a:prstGeom prst="rect">
+            <a:avLst/>
+          </a:prstGeom>
+          <a:ln>
+            <a:solidFill>
+              <a:schemeClr val="tx1"/>
+            </a:solidFill>
+          </a:ln>
+        </p:spPr>
+        <p:style>
+          <a:lnRef idx="2">
+            <a:schemeClr val="accent1"/>
+          </a:lnRef>
+          <a:fillRef idx="0">
+            <a:srgbClr val="FFFFFF"/>
+          </a:fillRef>
+          <a:effectRef idx="0">
+            <a:srgbClr val="FFFFFF"/>
+          </a:effectRef>
+          <a:fontRef idx="minor">
+            <a:schemeClr val="tx1"/>
+          </a:fontRef>
+        </p:style>
+        <p:txBody>
+          <a:bodyPr rtlCol="0" anchor="ctr"/>
+          <a:p>
+            <a:pPr algn="ctr"/>
+            <a:r>
+              <a:rPr lang="pt-BR" altLang="en-US"/>
+              <a:t>U</a:t>
+            </a:r>
+            <a:endParaRPr lang="pt-BR" altLang="en-US"/>
+          </a:p>
+        </p:txBody>
+      </p:sp>
+      <p:sp>
+        <p:nvSpPr>
+          <p:cNvPr id="37" name="Retângulo 36"/>
+          <p:cNvSpPr/>
+          <p:nvPr/>
+        </p:nvSpPr>
+        <p:spPr>
+          <a:xfrm>
+            <a:off x="13970" y="3679190"/>
+            <a:ext cx="417195" cy="351790"/>
+          </a:xfrm>
+          <a:prstGeom prst="rect">
+            <a:avLst/>
+          </a:prstGeom>
+          <a:ln>
+            <a:solidFill>
+              <a:schemeClr val="tx1"/>
+            </a:solidFill>
+          </a:ln>
+        </p:spPr>
+        <p:style>
+          <a:lnRef idx="2">
+            <a:schemeClr val="accent1"/>
+          </a:lnRef>
+          <a:fillRef idx="0">
+            <a:srgbClr val="FFFFFF"/>
+          </a:fillRef>
+          <a:effectRef idx="0">
+            <a:srgbClr val="FFFFFF"/>
+          </a:effectRef>
+          <a:fontRef idx="minor">
+            <a:schemeClr val="tx1"/>
+          </a:fontRef>
+        </p:style>
+        <p:txBody>
+          <a:bodyPr rtlCol="0" anchor="ctr"/>
+          <a:p>
+            <a:pPr algn="ctr"/>
+            <a:r>
+              <a:rPr lang="pt-BR" altLang="en-US"/>
+              <a:t>A</a:t>
+            </a:r>
+            <a:endParaRPr lang="pt-BR" altLang="en-US"/>
+          </a:p>
+        </p:txBody>
+      </p:sp>
+      <p:sp>
+        <p:nvSpPr>
+          <p:cNvPr id="38" name="Retângulo 37"/>
+          <p:cNvSpPr/>
+          <p:nvPr/>
+        </p:nvSpPr>
+        <p:spPr>
+          <a:xfrm>
+            <a:off x="431165" y="3679190"/>
+            <a:ext cx="417195" cy="351790"/>
+          </a:xfrm>
+          <a:prstGeom prst="rect">
+            <a:avLst/>
+          </a:prstGeom>
+          <a:ln>
+            <a:solidFill>
+              <a:schemeClr val="tx1"/>
+            </a:solidFill>
+          </a:ln>
+        </p:spPr>
+        <p:style>
+          <a:lnRef idx="2">
+            <a:schemeClr val="accent1"/>
+          </a:lnRef>
+          <a:fillRef idx="0">
+            <a:srgbClr val="FFFFFF"/>
+          </a:fillRef>
+          <a:effectRef idx="0">
+            <a:srgbClr val="FFFFFF"/>
+          </a:effectRef>
+          <a:fontRef idx="minor">
+            <a:schemeClr val="tx1"/>
+          </a:fontRef>
+        </p:style>
+        <p:txBody>
+          <a:bodyPr rtlCol="0" anchor="ctr"/>
+          <a:p>
+            <a:pPr algn="ctr"/>
+            <a:r>
+              <a:rPr lang="pt-BR" altLang="en-US"/>
+              <a:t>C</a:t>
+            </a:r>
+            <a:endParaRPr lang="pt-BR" altLang="en-US"/>
+          </a:p>
+        </p:txBody>
+      </p:sp>
+      <p:sp>
+        <p:nvSpPr>
+          <p:cNvPr id="39" name="Retângulo 38"/>
+          <p:cNvSpPr/>
+          <p:nvPr/>
+        </p:nvSpPr>
+        <p:spPr>
+          <a:xfrm>
+            <a:off x="848360" y="3679190"/>
+            <a:ext cx="417195" cy="351790"/>
+          </a:xfrm>
+          <a:prstGeom prst="rect">
+            <a:avLst/>
+          </a:prstGeom>
+          <a:ln>
+            <a:solidFill>
+              <a:schemeClr val="tx1"/>
+            </a:solidFill>
+          </a:ln>
+        </p:spPr>
+        <p:style>
+          <a:lnRef idx="2">
+            <a:schemeClr val="accent1"/>
+          </a:lnRef>
+          <a:fillRef idx="0">
+            <a:srgbClr val="FFFFFF"/>
+          </a:fillRef>
+          <a:effectRef idx="0">
+            <a:srgbClr val="FFFFFF"/>
+          </a:effectRef>
+          <a:fontRef idx="minor">
+            <a:schemeClr val="tx1"/>
+          </a:fontRef>
+        </p:style>
+        <p:txBody>
+          <a:bodyPr rtlCol="0" anchor="ctr"/>
+          <a:p>
+            <a:pPr algn="ctr"/>
+            <a:r>
+              <a:rPr lang="pt-BR" altLang="en-US"/>
+              <a:t>D</a:t>
+            </a:r>
+            <a:endParaRPr lang="pt-BR" altLang="en-US"/>
+          </a:p>
+        </p:txBody>
+      </p:sp>
+      <p:sp>
+        <p:nvSpPr>
+          <p:cNvPr id="40" name="Retângulo 39"/>
+          <p:cNvSpPr/>
+          <p:nvPr/>
+        </p:nvSpPr>
+        <p:spPr>
+          <a:xfrm>
+            <a:off x="1265555" y="3679190"/>
+            <a:ext cx="417195" cy="351790"/>
+          </a:xfrm>
+          <a:prstGeom prst="rect">
+            <a:avLst/>
+          </a:prstGeom>
+          <a:ln>
+            <a:solidFill>
+              <a:schemeClr val="tx1"/>
+            </a:solidFill>
+          </a:ln>
+        </p:spPr>
+        <p:style>
+          <a:lnRef idx="2">
+            <a:schemeClr val="accent1"/>
+          </a:lnRef>
+          <a:fillRef idx="0">
+            <a:srgbClr val="FFFFFF"/>
+          </a:fillRef>
+          <a:effectRef idx="0">
+            <a:srgbClr val="FFFFFF"/>
+          </a:effectRef>
+          <a:fontRef idx="minor">
+            <a:schemeClr val="tx1"/>
+          </a:fontRef>
+        </p:style>
+        <p:txBody>
+          <a:bodyPr rtlCol="0" anchor="ctr"/>
+          <a:p>
+            <a:pPr algn="ctr"/>
+            <a:r>
+              <a:rPr lang="pt-BR" altLang="en-US"/>
+              <a:t>E</a:t>
+            </a:r>
+            <a:endParaRPr lang="pt-BR" altLang="en-US"/>
+          </a:p>
+        </p:txBody>
+      </p:sp>
+      <p:sp>
+        <p:nvSpPr>
+          <p:cNvPr id="41" name="Retângulo 40"/>
+          <p:cNvSpPr/>
+          <p:nvPr/>
+        </p:nvSpPr>
+        <p:spPr>
+          <a:xfrm>
+            <a:off x="1923415" y="5035550"/>
+            <a:ext cx="417195" cy="351790"/>
+          </a:xfrm>
+          <a:prstGeom prst="rect">
+            <a:avLst/>
+          </a:prstGeom>
+          <a:ln>
+            <a:solidFill>
+              <a:schemeClr val="tx1"/>
+            </a:solidFill>
+          </a:ln>
+        </p:spPr>
+        <p:style>
+          <a:lnRef idx="2">
+            <a:schemeClr val="accent1"/>
+          </a:lnRef>
+          <a:fillRef idx="0">
+            <a:srgbClr val="FFFFFF"/>
+          </a:fillRef>
+          <a:effectRef idx="0">
+            <a:srgbClr val="FFFFFF"/>
+          </a:effectRef>
+          <a:fontRef idx="minor">
+            <a:schemeClr val="tx1"/>
+          </a:fontRef>
+        </p:style>
+        <p:txBody>
+          <a:bodyPr rtlCol="0" anchor="ctr"/>
+          <a:p>
+            <a:pPr algn="ctr"/>
+            <a:r>
+              <a:rPr lang="pt-BR" altLang="en-US"/>
+              <a:t>G</a:t>
+            </a:r>
+            <a:endParaRPr lang="pt-BR" altLang="en-US"/>
+          </a:p>
+        </p:txBody>
+      </p:sp>
+      <p:sp>
+        <p:nvSpPr>
+          <p:cNvPr id="42" name="Retângulo 41"/>
+          <p:cNvSpPr/>
+          <p:nvPr/>
+        </p:nvSpPr>
+        <p:spPr>
+          <a:xfrm>
+            <a:off x="2340610" y="5035550"/>
+            <a:ext cx="417195" cy="351790"/>
+          </a:xfrm>
+          <a:prstGeom prst="rect">
+            <a:avLst/>
+          </a:prstGeom>
+          <a:ln>
+            <a:solidFill>
+              <a:schemeClr val="tx1"/>
+            </a:solidFill>
+          </a:ln>
+        </p:spPr>
+        <p:style>
+          <a:lnRef idx="2">
+            <a:schemeClr val="accent1"/>
+          </a:lnRef>
+          <a:fillRef idx="0">
+            <a:srgbClr val="FFFFFF"/>
+          </a:fillRef>
+          <a:effectRef idx="0">
+            <a:srgbClr val="FFFFFF"/>
+          </a:effectRef>
+          <a:fontRef idx="minor">
+            <a:schemeClr val="tx1"/>
+          </a:fontRef>
+        </p:style>
+        <p:txBody>
+          <a:bodyPr rtlCol="0" anchor="ctr"/>
+          <a:p>
+            <a:pPr algn="ctr"/>
+            <a:r>
+              <a:rPr lang="pt-BR" altLang="en-US"/>
+              <a:t>H</a:t>
+            </a:r>
+            <a:endParaRPr lang="pt-BR" altLang="en-US"/>
+          </a:p>
+        </p:txBody>
+      </p:sp>
+      <p:sp>
+        <p:nvSpPr>
+          <p:cNvPr id="43" name="Retângulo 42"/>
+          <p:cNvSpPr/>
+          <p:nvPr/>
+        </p:nvSpPr>
+        <p:spPr>
+          <a:xfrm>
+            <a:off x="2757805" y="5035550"/>
             <a:ext cx="417195" cy="351790"/>
           </a:xfrm>
           <a:prstGeom prst="rect">
@@ -19306,847 +19738,13 @@
       </p:sp>
       <p:sp>
         <p:nvSpPr>
-          <p:cNvPr id="19" name="Retângulo 18"/>
-          <p:cNvSpPr/>
-          <p:nvPr/>
-        </p:nvSpPr>
-        <p:spPr>
-          <a:xfrm>
-            <a:off x="5673090" y="1250315"/>
-            <a:ext cx="417195" cy="351790"/>
-          </a:xfrm>
-          <a:prstGeom prst="rect">
-            <a:avLst/>
-          </a:prstGeom>
-          <a:ln>
-            <a:solidFill>
-              <a:schemeClr val="tx1"/>
-            </a:solidFill>
-          </a:ln>
-        </p:spPr>
-        <p:style>
-          <a:lnRef idx="2">
-            <a:schemeClr val="accent1"/>
-          </a:lnRef>
-          <a:fillRef idx="0">
-            <a:srgbClr val="FFFFFF"/>
-          </a:fillRef>
-          <a:effectRef idx="0">
-            <a:srgbClr val="FFFFFF"/>
-          </a:effectRef>
-          <a:fontRef idx="minor">
-            <a:schemeClr val="tx1"/>
-          </a:fontRef>
-        </p:style>
-        <p:txBody>
-          <a:bodyPr rtlCol="0" anchor="ctr"/>
-          <a:p>
-            <a:pPr algn="ctr"/>
-            <a:endParaRPr lang="pt-BR" altLang="en-US"/>
-          </a:p>
-        </p:txBody>
-      </p:sp>
-      <p:sp>
-        <p:nvSpPr>
-          <p:cNvPr id="5" name="Retângulo 4"/>
-          <p:cNvSpPr/>
-          <p:nvPr/>
-        </p:nvSpPr>
-        <p:spPr>
-          <a:xfrm>
-            <a:off x="6090285" y="1250315"/>
-            <a:ext cx="417195" cy="351790"/>
-          </a:xfrm>
-          <a:prstGeom prst="rect">
-            <a:avLst/>
-          </a:prstGeom>
-          <a:ln>
-            <a:solidFill>
-              <a:schemeClr val="tx1"/>
-            </a:solidFill>
-          </a:ln>
-        </p:spPr>
-        <p:style>
-          <a:lnRef idx="2">
-            <a:schemeClr val="accent1"/>
-          </a:lnRef>
-          <a:fillRef idx="0">
-            <a:srgbClr val="FFFFFF"/>
-          </a:fillRef>
-          <a:effectRef idx="0">
-            <a:srgbClr val="FFFFFF"/>
-          </a:effectRef>
-          <a:fontRef idx="minor">
-            <a:schemeClr val="tx1"/>
-          </a:fontRef>
-        </p:style>
-        <p:txBody>
-          <a:bodyPr rtlCol="0" anchor="ctr"/>
-          <a:p>
-            <a:pPr algn="ctr"/>
-            <a:endParaRPr lang="pt-BR" altLang="en-US"/>
-          </a:p>
-        </p:txBody>
-      </p:sp>
-      <p:sp>
-        <p:nvSpPr>
-          <p:cNvPr id="6" name="Retângulo 5"/>
-          <p:cNvSpPr/>
-          <p:nvPr/>
-        </p:nvSpPr>
-        <p:spPr>
-          <a:xfrm>
-            <a:off x="6507480" y="1250315"/>
-            <a:ext cx="417195" cy="351790"/>
-          </a:xfrm>
-          <a:prstGeom prst="rect">
-            <a:avLst/>
-          </a:prstGeom>
-          <a:ln>
-            <a:solidFill>
-              <a:schemeClr val="tx1"/>
-            </a:solidFill>
-          </a:ln>
-        </p:spPr>
-        <p:style>
-          <a:lnRef idx="2">
-            <a:schemeClr val="accent1"/>
-          </a:lnRef>
-          <a:fillRef idx="0">
-            <a:srgbClr val="FFFFFF"/>
-          </a:fillRef>
-          <a:effectRef idx="0">
-            <a:srgbClr val="FFFFFF"/>
-          </a:effectRef>
-          <a:fontRef idx="minor">
-            <a:schemeClr val="tx1"/>
-          </a:fontRef>
-        </p:style>
-        <p:txBody>
-          <a:bodyPr rtlCol="0" anchor="ctr"/>
-          <a:p>
-            <a:pPr algn="ctr"/>
-            <a:endParaRPr lang="pt-BR" altLang="en-US"/>
-          </a:p>
-        </p:txBody>
-      </p:sp>
-      <p:sp>
-        <p:nvSpPr>
-          <p:cNvPr id="21" name="Retângulo 20"/>
-          <p:cNvSpPr/>
-          <p:nvPr/>
-        </p:nvSpPr>
-        <p:spPr>
-          <a:xfrm>
-            <a:off x="6299835" y="2508250"/>
-            <a:ext cx="417195" cy="351790"/>
-          </a:xfrm>
-          <a:prstGeom prst="rect">
-            <a:avLst/>
-          </a:prstGeom>
-          <a:ln>
-            <a:solidFill>
-              <a:schemeClr val="tx1"/>
-            </a:solidFill>
-          </a:ln>
-        </p:spPr>
-        <p:style>
-          <a:lnRef idx="2">
-            <a:schemeClr val="accent1"/>
-          </a:lnRef>
-          <a:fillRef idx="0">
-            <a:srgbClr val="FFFFFF"/>
-          </a:fillRef>
-          <a:effectRef idx="0">
-            <a:srgbClr val="FFFFFF"/>
-          </a:effectRef>
-          <a:fontRef idx="minor">
-            <a:schemeClr val="tx1"/>
-          </a:fontRef>
-        </p:style>
-        <p:txBody>
-          <a:bodyPr rtlCol="0" anchor="ctr"/>
-          <a:p>
-            <a:pPr algn="ctr"/>
-            <a:r>
-              <a:rPr lang="pt-BR" altLang="en-US"/>
-              <a:t>O</a:t>
-            </a:r>
-            <a:endParaRPr lang="pt-BR" altLang="en-US"/>
-          </a:p>
-        </p:txBody>
-      </p:sp>
-      <p:sp>
-        <p:nvSpPr>
-          <p:cNvPr id="22" name="Retângulo 21"/>
-          <p:cNvSpPr/>
-          <p:nvPr/>
-        </p:nvSpPr>
-        <p:spPr>
-          <a:xfrm>
-            <a:off x="6717030" y="2508250"/>
-            <a:ext cx="417195" cy="351790"/>
-          </a:xfrm>
-          <a:prstGeom prst="rect">
-            <a:avLst/>
-          </a:prstGeom>
-          <a:ln>
-            <a:solidFill>
-              <a:schemeClr val="tx1"/>
-            </a:solidFill>
-          </a:ln>
-        </p:spPr>
-        <p:style>
-          <a:lnRef idx="2">
-            <a:schemeClr val="accent1"/>
-          </a:lnRef>
-          <a:fillRef idx="0">
-            <a:srgbClr val="FFFFFF"/>
-          </a:fillRef>
-          <a:effectRef idx="0">
-            <a:srgbClr val="FFFFFF"/>
-          </a:effectRef>
-          <a:fontRef idx="minor">
-            <a:schemeClr val="tx1"/>
-          </a:fontRef>
-        </p:style>
-        <p:txBody>
-          <a:bodyPr rtlCol="0" anchor="ctr"/>
-          <a:p>
-            <a:pPr algn="ctr"/>
-            <a:r>
-              <a:rPr lang="pt-BR" altLang="en-US"/>
-              <a:t>U</a:t>
-            </a:r>
-            <a:endParaRPr lang="pt-BR" altLang="en-US"/>
-          </a:p>
-        </p:txBody>
-      </p:sp>
-      <p:sp>
-        <p:nvSpPr>
-          <p:cNvPr id="23" name="Retângulo 22"/>
-          <p:cNvSpPr/>
-          <p:nvPr/>
-        </p:nvSpPr>
-        <p:spPr>
-          <a:xfrm>
-            <a:off x="7134225" y="2508250"/>
-            <a:ext cx="417195" cy="351790"/>
-          </a:xfrm>
-          <a:prstGeom prst="rect">
-            <a:avLst/>
-          </a:prstGeom>
-          <a:ln>
-            <a:solidFill>
-              <a:schemeClr val="tx1"/>
-            </a:solidFill>
-          </a:ln>
-        </p:spPr>
-        <p:style>
-          <a:lnRef idx="2">
-            <a:schemeClr val="accent1"/>
-          </a:lnRef>
-          <a:fillRef idx="0">
-            <a:srgbClr val="FFFFFF"/>
-          </a:fillRef>
-          <a:effectRef idx="0">
-            <a:srgbClr val="FFFFFF"/>
-          </a:effectRef>
-          <a:fontRef idx="minor">
-            <a:schemeClr val="tx1"/>
-          </a:fontRef>
-        </p:style>
-        <p:txBody>
-          <a:bodyPr rtlCol="0" anchor="ctr"/>
-          <a:p>
-            <a:pPr algn="ctr"/>
-            <a:endParaRPr lang="pt-BR" altLang="en-US"/>
-          </a:p>
-        </p:txBody>
-      </p:sp>
-      <p:sp>
-        <p:nvSpPr>
-          <p:cNvPr id="24" name="Retângulo 23"/>
-          <p:cNvSpPr/>
-          <p:nvPr/>
-        </p:nvSpPr>
-        <p:spPr>
-          <a:xfrm>
-            <a:off x="7551420" y="2508250"/>
-            <a:ext cx="417195" cy="351790"/>
-          </a:xfrm>
-          <a:prstGeom prst="rect">
-            <a:avLst/>
-          </a:prstGeom>
-          <a:ln>
-            <a:solidFill>
-              <a:schemeClr val="tx1"/>
-            </a:solidFill>
-          </a:ln>
-        </p:spPr>
-        <p:style>
-          <a:lnRef idx="2">
-            <a:schemeClr val="accent1"/>
-          </a:lnRef>
-          <a:fillRef idx="0">
-            <a:srgbClr val="FFFFFF"/>
-          </a:fillRef>
-          <a:effectRef idx="0">
-            <a:srgbClr val="FFFFFF"/>
-          </a:effectRef>
-          <a:fontRef idx="minor">
-            <a:schemeClr val="tx1"/>
-          </a:fontRef>
-        </p:style>
-        <p:txBody>
-          <a:bodyPr rtlCol="0" anchor="ctr"/>
-          <a:p>
-            <a:pPr algn="ctr"/>
-            <a:endParaRPr lang="pt-BR" altLang="en-US"/>
-          </a:p>
-        </p:txBody>
-      </p:sp>
-      <p:sp>
-        <p:nvSpPr>
-          <p:cNvPr id="25" name="Retângulo 24"/>
-          <p:cNvSpPr/>
-          <p:nvPr/>
-        </p:nvSpPr>
-        <p:spPr>
-          <a:xfrm>
-            <a:off x="1313180" y="2508250"/>
-            <a:ext cx="417195" cy="351790"/>
-          </a:xfrm>
-          <a:prstGeom prst="rect">
-            <a:avLst/>
-          </a:prstGeom>
-          <a:ln>
-            <a:solidFill>
-              <a:schemeClr val="tx1"/>
-            </a:solidFill>
-          </a:ln>
-        </p:spPr>
-        <p:style>
-          <a:lnRef idx="2">
-            <a:schemeClr val="accent1"/>
-          </a:lnRef>
-          <a:fillRef idx="0">
-            <a:srgbClr val="FFFFFF"/>
-          </a:fillRef>
-          <a:effectRef idx="0">
-            <a:srgbClr val="FFFFFF"/>
-          </a:effectRef>
-          <a:fontRef idx="minor">
-            <a:schemeClr val="tx1"/>
-          </a:fontRef>
-        </p:style>
-        <p:txBody>
-          <a:bodyPr rtlCol="0" anchor="ctr"/>
-          <a:p>
-            <a:pPr algn="ctr"/>
-            <a:r>
-              <a:rPr lang="pt-BR" altLang="en-US"/>
-              <a:t>F</a:t>
-            </a:r>
-            <a:endParaRPr lang="pt-BR" altLang="en-US"/>
-          </a:p>
-        </p:txBody>
-      </p:sp>
-      <p:sp>
-        <p:nvSpPr>
-          <p:cNvPr id="26" name="Retângulo 25"/>
-          <p:cNvSpPr/>
-          <p:nvPr/>
-        </p:nvSpPr>
-        <p:spPr>
-          <a:xfrm>
-            <a:off x="1730375" y="2508250"/>
-            <a:ext cx="417195" cy="351790"/>
-          </a:xfrm>
-          <a:prstGeom prst="rect">
-            <a:avLst/>
-          </a:prstGeom>
-          <a:ln>
-            <a:solidFill>
-              <a:schemeClr val="tx1"/>
-            </a:solidFill>
-          </a:ln>
-        </p:spPr>
-        <p:style>
-          <a:lnRef idx="2">
-            <a:schemeClr val="accent1"/>
-          </a:lnRef>
-          <a:fillRef idx="0">
-            <a:srgbClr val="FFFFFF"/>
-          </a:fillRef>
-          <a:effectRef idx="0">
-            <a:srgbClr val="FFFFFF"/>
-          </a:effectRef>
-          <a:fontRef idx="minor">
-            <a:schemeClr val="tx1"/>
-          </a:fontRef>
-        </p:style>
-        <p:txBody>
-          <a:bodyPr rtlCol="0" anchor="ctr"/>
-          <a:p>
-            <a:pPr algn="ctr"/>
-            <a:endParaRPr lang="pt-BR" altLang="en-US"/>
-          </a:p>
-        </p:txBody>
-      </p:sp>
-      <p:sp>
-        <p:nvSpPr>
-          <p:cNvPr id="27" name="Retângulo 26"/>
-          <p:cNvSpPr/>
-          <p:nvPr/>
-        </p:nvSpPr>
-        <p:spPr>
-          <a:xfrm>
-            <a:off x="2147570" y="2508250"/>
-            <a:ext cx="417195" cy="351790"/>
-          </a:xfrm>
-          <a:prstGeom prst="rect">
-            <a:avLst/>
-          </a:prstGeom>
-          <a:ln>
-            <a:solidFill>
-              <a:schemeClr val="tx1"/>
-            </a:solidFill>
-          </a:ln>
-        </p:spPr>
-        <p:style>
-          <a:lnRef idx="2">
-            <a:schemeClr val="accent1"/>
-          </a:lnRef>
-          <a:fillRef idx="0">
-            <a:srgbClr val="FFFFFF"/>
-          </a:fillRef>
-          <a:effectRef idx="0">
-            <a:srgbClr val="FFFFFF"/>
-          </a:effectRef>
-          <a:fontRef idx="minor">
-            <a:schemeClr val="tx1"/>
-          </a:fontRef>
-        </p:style>
-        <p:txBody>
-          <a:bodyPr rtlCol="0" anchor="ctr"/>
-          <a:p>
-            <a:pPr algn="ctr"/>
-            <a:endParaRPr lang="pt-BR" altLang="en-US"/>
-          </a:p>
-        </p:txBody>
-      </p:sp>
-      <p:sp>
-        <p:nvSpPr>
-          <p:cNvPr id="28" name="Retângulo 27"/>
-          <p:cNvSpPr/>
-          <p:nvPr/>
-        </p:nvSpPr>
-        <p:spPr>
-          <a:xfrm>
-            <a:off x="2564765" y="2508250"/>
-            <a:ext cx="417195" cy="351790"/>
-          </a:xfrm>
-          <a:prstGeom prst="rect">
-            <a:avLst/>
-          </a:prstGeom>
-          <a:ln>
-            <a:solidFill>
-              <a:schemeClr val="tx1"/>
-            </a:solidFill>
-          </a:ln>
-        </p:spPr>
-        <p:style>
-          <a:lnRef idx="2">
-            <a:schemeClr val="accent1"/>
-          </a:lnRef>
-          <a:fillRef idx="0">
-            <a:srgbClr val="FFFFFF"/>
-          </a:fillRef>
-          <a:effectRef idx="0">
-            <a:srgbClr val="FFFFFF"/>
-          </a:effectRef>
-          <a:fontRef idx="minor">
-            <a:schemeClr val="tx1"/>
-          </a:fontRef>
-        </p:style>
-        <p:txBody>
-          <a:bodyPr rtlCol="0" anchor="ctr"/>
-          <a:p>
-            <a:pPr algn="ctr"/>
-            <a:endParaRPr lang="pt-BR" altLang="en-US"/>
-          </a:p>
-        </p:txBody>
-      </p:sp>
-      <p:sp>
-        <p:nvSpPr>
-          <p:cNvPr id="37" name="Retângulo 36"/>
-          <p:cNvSpPr/>
-          <p:nvPr/>
-        </p:nvSpPr>
-        <p:spPr>
-          <a:xfrm>
-            <a:off x="13970" y="3679190"/>
-            <a:ext cx="417195" cy="351790"/>
-          </a:xfrm>
-          <a:prstGeom prst="rect">
-            <a:avLst/>
-          </a:prstGeom>
-          <a:ln>
-            <a:solidFill>
-              <a:schemeClr val="tx1"/>
-            </a:solidFill>
-          </a:ln>
-        </p:spPr>
-        <p:style>
-          <a:lnRef idx="2">
-            <a:schemeClr val="accent1"/>
-          </a:lnRef>
-          <a:fillRef idx="0">
-            <a:srgbClr val="FFFFFF"/>
-          </a:fillRef>
-          <a:effectRef idx="0">
-            <a:srgbClr val="FFFFFF"/>
-          </a:effectRef>
-          <a:fontRef idx="minor">
-            <a:schemeClr val="tx1"/>
-          </a:fontRef>
-        </p:style>
-        <p:txBody>
-          <a:bodyPr rtlCol="0" anchor="ctr"/>
-          <a:p>
-            <a:pPr algn="ctr"/>
-            <a:r>
-              <a:rPr lang="pt-BR" altLang="en-US"/>
-              <a:t>A</a:t>
-            </a:r>
-            <a:endParaRPr lang="pt-BR" altLang="en-US"/>
-          </a:p>
-        </p:txBody>
-      </p:sp>
-      <p:sp>
-        <p:nvSpPr>
-          <p:cNvPr id="38" name="Retângulo 37"/>
-          <p:cNvSpPr/>
-          <p:nvPr/>
-        </p:nvSpPr>
-        <p:spPr>
-          <a:xfrm>
-            <a:off x="431165" y="3679190"/>
-            <a:ext cx="417195" cy="351790"/>
-          </a:xfrm>
-          <a:prstGeom prst="rect">
-            <a:avLst/>
-          </a:prstGeom>
-          <a:ln>
-            <a:solidFill>
-              <a:schemeClr val="tx1"/>
-            </a:solidFill>
-          </a:ln>
-        </p:spPr>
-        <p:style>
-          <a:lnRef idx="2">
-            <a:schemeClr val="accent1"/>
-          </a:lnRef>
-          <a:fillRef idx="0">
-            <a:srgbClr val="FFFFFF"/>
-          </a:fillRef>
-          <a:effectRef idx="0">
-            <a:srgbClr val="FFFFFF"/>
-          </a:effectRef>
-          <a:fontRef idx="minor">
-            <a:schemeClr val="tx1"/>
-          </a:fontRef>
-        </p:style>
-        <p:txBody>
-          <a:bodyPr rtlCol="0" anchor="ctr"/>
-          <a:p>
-            <a:pPr algn="ctr"/>
-            <a:r>
-              <a:rPr lang="pt-BR" altLang="en-US"/>
-              <a:t>C</a:t>
-            </a:r>
-            <a:endParaRPr lang="pt-BR" altLang="en-US"/>
-          </a:p>
-        </p:txBody>
-      </p:sp>
-      <p:sp>
-        <p:nvSpPr>
-          <p:cNvPr id="39" name="Retângulo 38"/>
-          <p:cNvSpPr/>
-          <p:nvPr/>
-        </p:nvSpPr>
-        <p:spPr>
-          <a:xfrm>
-            <a:off x="848360" y="3679190"/>
-            <a:ext cx="417195" cy="351790"/>
-          </a:xfrm>
-          <a:prstGeom prst="rect">
-            <a:avLst/>
-          </a:prstGeom>
-          <a:ln>
-            <a:solidFill>
-              <a:schemeClr val="tx1"/>
-            </a:solidFill>
-          </a:ln>
-        </p:spPr>
-        <p:style>
-          <a:lnRef idx="2">
-            <a:schemeClr val="accent1"/>
-          </a:lnRef>
-          <a:fillRef idx="0">
-            <a:srgbClr val="FFFFFF"/>
-          </a:fillRef>
-          <a:effectRef idx="0">
-            <a:srgbClr val="FFFFFF"/>
-          </a:effectRef>
-          <a:fontRef idx="minor">
-            <a:schemeClr val="tx1"/>
-          </a:fontRef>
-        </p:style>
-        <p:txBody>
-          <a:bodyPr rtlCol="0" anchor="ctr"/>
-          <a:p>
-            <a:pPr algn="ctr"/>
-            <a:r>
-              <a:rPr lang="pt-BR" altLang="en-US"/>
-              <a:t>D</a:t>
-            </a:r>
-            <a:endParaRPr lang="pt-BR" altLang="en-US"/>
-          </a:p>
-        </p:txBody>
-      </p:sp>
-      <p:sp>
-        <p:nvSpPr>
-          <p:cNvPr id="40" name="Retângulo 39"/>
-          <p:cNvSpPr/>
-          <p:nvPr/>
-        </p:nvSpPr>
-        <p:spPr>
-          <a:xfrm>
-            <a:off x="1265555" y="3679190"/>
-            <a:ext cx="417195" cy="351790"/>
-          </a:xfrm>
-          <a:prstGeom prst="rect">
-            <a:avLst/>
-          </a:prstGeom>
-          <a:ln>
-            <a:solidFill>
-              <a:schemeClr val="tx1"/>
-            </a:solidFill>
-          </a:ln>
-        </p:spPr>
-        <p:style>
-          <a:lnRef idx="2">
-            <a:schemeClr val="accent1"/>
-          </a:lnRef>
-          <a:fillRef idx="0">
-            <a:srgbClr val="FFFFFF"/>
-          </a:fillRef>
-          <a:effectRef idx="0">
-            <a:srgbClr val="FFFFFF"/>
-          </a:effectRef>
-          <a:fontRef idx="minor">
-            <a:schemeClr val="tx1"/>
-          </a:fontRef>
-        </p:style>
-        <p:txBody>
-          <a:bodyPr rtlCol="0" anchor="ctr"/>
-          <a:p>
-            <a:pPr algn="ctr"/>
-            <a:r>
-              <a:rPr lang="pt-BR" altLang="en-US"/>
-              <a:t>E</a:t>
-            </a:r>
-            <a:endParaRPr lang="pt-BR" altLang="en-US"/>
-          </a:p>
-        </p:txBody>
-      </p:sp>
-      <p:sp>
-        <p:nvSpPr>
-          <p:cNvPr id="41" name="Retângulo 40"/>
-          <p:cNvSpPr/>
-          <p:nvPr/>
-        </p:nvSpPr>
-        <p:spPr>
-          <a:xfrm>
-            <a:off x="2674620" y="3679190"/>
-            <a:ext cx="417195" cy="351790"/>
-          </a:xfrm>
-          <a:prstGeom prst="rect">
-            <a:avLst/>
-          </a:prstGeom>
-          <a:ln>
-            <a:solidFill>
-              <a:schemeClr val="tx1"/>
-            </a:solidFill>
-          </a:ln>
-        </p:spPr>
-        <p:style>
-          <a:lnRef idx="2">
-            <a:schemeClr val="accent1"/>
-          </a:lnRef>
-          <a:fillRef idx="0">
-            <a:srgbClr val="FFFFFF"/>
-          </a:fillRef>
-          <a:effectRef idx="0">
-            <a:srgbClr val="FFFFFF"/>
-          </a:effectRef>
-          <a:fontRef idx="minor">
-            <a:schemeClr val="tx1"/>
-          </a:fontRef>
-        </p:style>
-        <p:txBody>
-          <a:bodyPr rtlCol="0" anchor="ctr"/>
-          <a:p>
-            <a:pPr algn="ctr"/>
-            <a:r>
-              <a:rPr lang="pt-BR" altLang="en-US"/>
-              <a:t>G</a:t>
-            </a:r>
-            <a:endParaRPr lang="pt-BR" altLang="en-US"/>
-          </a:p>
-        </p:txBody>
-      </p:sp>
-      <p:sp>
-        <p:nvSpPr>
-          <p:cNvPr id="42" name="Retângulo 41"/>
-          <p:cNvSpPr/>
-          <p:nvPr/>
-        </p:nvSpPr>
-        <p:spPr>
-          <a:xfrm>
-            <a:off x="3091815" y="3679190"/>
-            <a:ext cx="417195" cy="351790"/>
-          </a:xfrm>
-          <a:prstGeom prst="rect">
-            <a:avLst/>
-          </a:prstGeom>
-          <a:ln>
-            <a:solidFill>
-              <a:schemeClr val="tx1"/>
-            </a:solidFill>
-          </a:ln>
-        </p:spPr>
-        <p:style>
-          <a:lnRef idx="2">
-            <a:schemeClr val="accent1"/>
-          </a:lnRef>
-          <a:fillRef idx="0">
-            <a:srgbClr val="FFFFFF"/>
-          </a:fillRef>
-          <a:effectRef idx="0">
-            <a:srgbClr val="FFFFFF"/>
-          </a:effectRef>
-          <a:fontRef idx="minor">
-            <a:schemeClr val="tx1"/>
-          </a:fontRef>
-        </p:style>
-        <p:txBody>
-          <a:bodyPr rtlCol="0" anchor="ctr"/>
-          <a:p>
-            <a:pPr algn="ctr"/>
-            <a:r>
-              <a:rPr lang="pt-BR" altLang="en-US"/>
-              <a:t>H</a:t>
-            </a:r>
-            <a:endParaRPr lang="pt-BR" altLang="en-US"/>
-          </a:p>
-        </p:txBody>
-      </p:sp>
-      <p:sp>
-        <p:nvSpPr>
-          <p:cNvPr id="43" name="Retângulo 42"/>
-          <p:cNvSpPr/>
-          <p:nvPr/>
-        </p:nvSpPr>
-        <p:spPr>
-          <a:xfrm>
-            <a:off x="3509010" y="3679190"/>
-            <a:ext cx="417195" cy="351790"/>
-          </a:xfrm>
-          <a:prstGeom prst="rect">
-            <a:avLst/>
-          </a:prstGeom>
-          <a:ln>
-            <a:solidFill>
-              <a:schemeClr val="tx1"/>
-            </a:solidFill>
-          </a:ln>
-        </p:spPr>
-        <p:style>
-          <a:lnRef idx="2">
-            <a:schemeClr val="accent1"/>
-          </a:lnRef>
-          <a:fillRef idx="0">
-            <a:srgbClr val="FFFFFF"/>
-          </a:fillRef>
-          <a:effectRef idx="0">
-            <a:srgbClr val="FFFFFF"/>
-          </a:effectRef>
-          <a:fontRef idx="minor">
-            <a:schemeClr val="tx1"/>
-          </a:fontRef>
-        </p:style>
-        <p:txBody>
-          <a:bodyPr rtlCol="0" anchor="ctr"/>
-          <a:p>
-            <a:pPr algn="ctr"/>
-            <a:endParaRPr lang="pt-BR" altLang="en-US"/>
-          </a:p>
-        </p:txBody>
-      </p:sp>
-      <p:sp>
-        <p:nvSpPr>
           <p:cNvPr id="44" name="Retângulo 43"/>
           <p:cNvSpPr/>
           <p:nvPr/>
         </p:nvSpPr>
         <p:spPr>
           <a:xfrm>
-            <a:off x="3926205" y="3679190"/>
-            <a:ext cx="417195" cy="351790"/>
-          </a:xfrm>
-          <a:prstGeom prst="rect">
-            <a:avLst/>
-          </a:prstGeom>
-          <a:ln>
-            <a:solidFill>
-              <a:schemeClr val="tx1"/>
-            </a:solidFill>
-          </a:ln>
-        </p:spPr>
-        <p:style>
-          <a:lnRef idx="2">
-            <a:schemeClr val="accent1"/>
-          </a:lnRef>
-          <a:fillRef idx="0">
-            <a:srgbClr val="FFFFFF"/>
-          </a:fillRef>
-          <a:effectRef idx="0">
-            <a:srgbClr val="FFFFFF"/>
-          </a:effectRef>
-          <a:fontRef idx="minor">
-            <a:schemeClr val="tx1"/>
-          </a:fontRef>
-        </p:style>
-        <p:txBody>
-          <a:bodyPr rtlCol="0" anchor="ctr"/>
-          <a:p>
-            <a:pPr algn="ctr"/>
-            <a:endParaRPr lang="pt-BR" altLang="en-US"/>
-          </a:p>
-        </p:txBody>
-      </p:sp>
-      <p:sp>
-        <p:nvSpPr>
-          <p:cNvPr id="49" name="Retângulo 48"/>
-          <p:cNvSpPr/>
-          <p:nvPr/>
-        </p:nvSpPr>
-        <p:spPr>
-          <a:xfrm>
-            <a:off x="3951605" y="4709160"/>
+            <a:off x="3175000" y="5035550"/>
             <a:ext cx="417195" cy="351790"/>
           </a:xfrm>
           <a:prstGeom prst="rect">
@@ -20186,59 +19784,13 @@
       </p:sp>
       <p:sp>
         <p:nvSpPr>
-          <p:cNvPr id="50" name="Retângulo 49"/>
-          <p:cNvSpPr/>
-          <p:nvPr/>
-        </p:nvSpPr>
-        <p:spPr>
-          <a:xfrm>
-            <a:off x="4368800" y="4709160"/>
-            <a:ext cx="417195" cy="351790"/>
-          </a:xfrm>
-          <a:prstGeom prst="rect">
-            <a:avLst/>
-          </a:prstGeom>
-          <a:ln>
-            <a:solidFill>
-              <a:schemeClr val="tx1"/>
-            </a:solidFill>
-          </a:ln>
-        </p:spPr>
-        <p:style>
-          <a:lnRef idx="2">
-            <a:schemeClr val="accent1"/>
-          </a:lnRef>
-          <a:fillRef idx="0">
-            <a:srgbClr val="FFFFFF"/>
-          </a:fillRef>
-          <a:effectRef idx="0">
-            <a:srgbClr val="FFFFFF"/>
-          </a:effectRef>
-          <a:fontRef idx="minor">
-            <a:schemeClr val="tx1"/>
-          </a:fontRef>
-        </p:style>
-        <p:txBody>
-          <a:bodyPr rtlCol="0" anchor="ctr"/>
-          <a:p>
-            <a:pPr algn="ctr"/>
-            <a:r>
-              <a:rPr lang="pt-BR" altLang="en-US"/>
-              <a:t>L</a:t>
-            </a:r>
-            <a:endParaRPr lang="pt-BR" altLang="en-US"/>
-          </a:p>
-        </p:txBody>
-      </p:sp>
-      <p:sp>
-        <p:nvSpPr>
-          <p:cNvPr id="51" name="Retângulo 50"/>
-          <p:cNvSpPr/>
-          <p:nvPr/>
-        </p:nvSpPr>
-        <p:spPr>
-          <a:xfrm>
-            <a:off x="4785995" y="4709160"/>
+          <p:cNvPr id="45" name="Retângulo 44"/>
+          <p:cNvSpPr/>
+          <p:nvPr/>
+        </p:nvSpPr>
+        <p:spPr>
+          <a:xfrm>
+            <a:off x="5250815" y="5387340"/>
             <a:ext cx="417195" cy="351790"/>
           </a:xfrm>
           <a:prstGeom prst="rect">
@@ -20278,13 +19830,13 @@
       </p:sp>
       <p:sp>
         <p:nvSpPr>
-          <p:cNvPr id="52" name="Retângulo 51"/>
-          <p:cNvSpPr/>
-          <p:nvPr/>
-        </p:nvSpPr>
-        <p:spPr>
-          <a:xfrm>
-            <a:off x="5203190" y="4709160"/>
+          <p:cNvPr id="46" name="Retângulo 45"/>
+          <p:cNvSpPr/>
+          <p:nvPr/>
+        </p:nvSpPr>
+        <p:spPr>
+          <a:xfrm>
+            <a:off x="5668010" y="5387340"/>
             <a:ext cx="417195" cy="351790"/>
           </a:xfrm>
           <a:prstGeom prst="rect">
@@ -20324,6 +19876,90 @@
       </p:sp>
       <p:sp>
         <p:nvSpPr>
+          <p:cNvPr id="47" name="Retângulo 46"/>
+          <p:cNvSpPr/>
+          <p:nvPr/>
+        </p:nvSpPr>
+        <p:spPr>
+          <a:xfrm>
+            <a:off x="6085205" y="5387340"/>
+            <a:ext cx="417195" cy="351790"/>
+          </a:xfrm>
+          <a:prstGeom prst="rect">
+            <a:avLst/>
+          </a:prstGeom>
+          <a:ln>
+            <a:solidFill>
+              <a:schemeClr val="tx1"/>
+            </a:solidFill>
+          </a:ln>
+        </p:spPr>
+        <p:style>
+          <a:lnRef idx="2">
+            <a:schemeClr val="accent1"/>
+          </a:lnRef>
+          <a:fillRef idx="0">
+            <a:srgbClr val="FFFFFF"/>
+          </a:fillRef>
+          <a:effectRef idx="0">
+            <a:srgbClr val="FFFFFF"/>
+          </a:effectRef>
+          <a:fontRef idx="minor">
+            <a:schemeClr val="tx1"/>
+          </a:fontRef>
+        </p:style>
+        <p:txBody>
+          <a:bodyPr rtlCol="0" anchor="ctr"/>
+          <a:p>
+            <a:pPr algn="ctr"/>
+            <a:endParaRPr lang="pt-BR" altLang="en-US"/>
+          </a:p>
+        </p:txBody>
+      </p:sp>
+      <p:sp>
+        <p:nvSpPr>
+          <p:cNvPr id="48" name="Retângulo 47"/>
+          <p:cNvSpPr/>
+          <p:nvPr/>
+        </p:nvSpPr>
+        <p:spPr>
+          <a:xfrm>
+            <a:off x="6502400" y="5387340"/>
+            <a:ext cx="417195" cy="351790"/>
+          </a:xfrm>
+          <a:prstGeom prst="rect">
+            <a:avLst/>
+          </a:prstGeom>
+          <a:ln>
+            <a:solidFill>
+              <a:schemeClr val="tx1"/>
+            </a:solidFill>
+          </a:ln>
+        </p:spPr>
+        <p:style>
+          <a:lnRef idx="2">
+            <a:schemeClr val="accent1"/>
+          </a:lnRef>
+          <a:fillRef idx="0">
+            <a:srgbClr val="FFFFFF"/>
+          </a:fillRef>
+          <a:effectRef idx="0">
+            <a:srgbClr val="FFFFFF"/>
+          </a:effectRef>
+          <a:fontRef idx="minor">
+            <a:schemeClr val="tx1"/>
+          </a:fontRef>
+        </p:style>
+        <p:txBody>
+          <a:bodyPr rtlCol="0" anchor="ctr"/>
+          <a:p>
+            <a:pPr algn="ctr"/>
+            <a:endParaRPr lang="pt-BR" altLang="en-US"/>
+          </a:p>
+        </p:txBody>
+      </p:sp>
+      <p:sp>
+        <p:nvSpPr>
           <p:cNvPr id="53" name="Retângulo 52"/>
           <p:cNvSpPr/>
           <p:nvPr/>
@@ -20692,92 +20328,16 @@
       </p:sp>
       <p:cxnSp>
         <p:nvCxnSpPr>
-          <p:cNvPr id="69" name="Conector de Seta Reta 68"/>
+          <p:cNvPr id="73" name="Conector de Seta Reta 72"/>
           <p:cNvCxnSpPr>
-            <a:stCxn id="18" idx="2"/>
-            <a:endCxn id="21" idx="0"/>
+            <a:endCxn id="53" idx="0"/>
           </p:cNvCxnSpPr>
           <p:nvPr/>
         </p:nvCxnSpPr>
         <p:spPr>
-          <a:xfrm>
-            <a:off x="5464810" y="1602105"/>
-            <a:ext cx="1043940" cy="906145"/>
-          </a:xfrm>
-          <a:prstGeom prst="straightConnector1">
-            <a:avLst/>
-          </a:prstGeom>
-          <a:ln>
-            <a:solidFill>
-              <a:schemeClr val="tx1"/>
-            </a:solidFill>
-            <a:tailEnd type="arrow"/>
-          </a:ln>
-        </p:spPr>
-        <p:style>
-          <a:lnRef idx="2">
-            <a:schemeClr val="accent1"/>
-          </a:lnRef>
-          <a:fillRef idx="0">
-            <a:srgbClr val="FFFFFF"/>
-          </a:fillRef>
-          <a:effectRef idx="0">
-            <a:srgbClr val="FFFFFF"/>
-          </a:effectRef>
-          <a:fontRef idx="minor">
-            <a:schemeClr val="tx1"/>
-          </a:fontRef>
-        </p:style>
-      </p:cxnSp>
-      <p:cxnSp>
-        <p:nvCxnSpPr>
-          <p:cNvPr id="70" name="Conector de Seta Reta 69"/>
-          <p:cNvCxnSpPr/>
-          <p:nvPr/>
-        </p:nvCxnSpPr>
-        <p:spPr>
           <a:xfrm flipH="1">
-            <a:off x="1522095" y="1602105"/>
-            <a:ext cx="3942715" cy="906145"/>
-          </a:xfrm>
-          <a:prstGeom prst="straightConnector1">
-            <a:avLst/>
-          </a:prstGeom>
-          <a:ln>
-            <a:solidFill>
-              <a:schemeClr val="tx1"/>
-            </a:solidFill>
-            <a:tailEnd type="arrow"/>
-          </a:ln>
-        </p:spPr>
-        <p:style>
-          <a:lnRef idx="2">
-            <a:schemeClr val="accent1"/>
-          </a:lnRef>
-          <a:fillRef idx="0">
-            <a:srgbClr val="FFFFFF"/>
-          </a:fillRef>
-          <a:effectRef idx="0">
-            <a:srgbClr val="FFFFFF"/>
-          </a:effectRef>
-          <a:fontRef idx="minor">
-            <a:schemeClr val="tx1"/>
-          </a:fontRef>
-        </p:style>
-      </p:cxnSp>
-      <p:cxnSp>
-        <p:nvCxnSpPr>
-          <p:cNvPr id="72" name="Conector de Seta Reta 71"/>
-          <p:cNvCxnSpPr>
-            <a:stCxn id="21" idx="2"/>
-            <a:endCxn id="49" idx="0"/>
-          </p:cNvCxnSpPr>
-          <p:nvPr/>
-        </p:nvCxnSpPr>
-        <p:spPr>
-          <a:xfrm flipH="1">
-            <a:off x="4160520" y="2860040"/>
-            <a:ext cx="2348230" cy="1849120"/>
+            <a:off x="6821170" y="2841625"/>
+            <a:ext cx="695960" cy="1867535"/>
           </a:xfrm>
           <a:prstGeom prst="straightConnector1">
             <a:avLst/>
@@ -20808,15 +20368,14 @@
         <p:nvCxnSpPr>
           <p:cNvPr id="74" name="Conector de Seta Reta 73"/>
           <p:cNvCxnSpPr>
-            <a:stCxn id="21" idx="2"/>
-            <a:endCxn id="53" idx="0"/>
+            <a:endCxn id="46" idx="0"/>
           </p:cNvCxnSpPr>
           <p:nvPr/>
         </p:nvCxnSpPr>
         <p:spPr>
-          <a:xfrm>
-            <a:off x="6508750" y="2860040"/>
-            <a:ext cx="312420" cy="1849120"/>
+          <a:xfrm flipH="1">
+            <a:off x="5876925" y="2859405"/>
+            <a:ext cx="1249680" cy="2527935"/>
           </a:xfrm>
           <a:prstGeom prst="straightConnector1">
             <a:avLst/>
@@ -20847,15 +20406,14 @@
         <p:nvCxnSpPr>
           <p:cNvPr id="75" name="Conector de Seta Reta 74"/>
           <p:cNvCxnSpPr>
-            <a:stCxn id="25" idx="2"/>
             <a:endCxn id="37" idx="0"/>
           </p:cNvCxnSpPr>
           <p:nvPr/>
         </p:nvCxnSpPr>
         <p:spPr>
           <a:xfrm flipH="1">
-            <a:off x="222885" y="2860040"/>
-            <a:ext cx="1299210" cy="819150"/>
+            <a:off x="222885" y="2859405"/>
+            <a:ext cx="6050280" cy="819785"/>
           </a:xfrm>
           <a:prstGeom prst="straightConnector1">
             <a:avLst/>
@@ -20886,14 +20444,14 @@
         <p:nvCxnSpPr>
           <p:cNvPr id="77" name="Conector de Seta Reta 76"/>
           <p:cNvCxnSpPr>
-            <a:stCxn id="25" idx="2"/>
+            <a:endCxn id="41" idx="0"/>
           </p:cNvCxnSpPr>
           <p:nvPr/>
         </p:nvCxnSpPr>
         <p:spPr>
-          <a:xfrm>
-            <a:off x="1522095" y="2860040"/>
-            <a:ext cx="1361440" cy="819150"/>
+          <a:xfrm flipH="1">
+            <a:off x="2132330" y="2859405"/>
+            <a:ext cx="4567555" cy="2176145"/>
           </a:xfrm>
           <a:prstGeom prst="straightConnector1">
             <a:avLst/>
@@ -20924,15 +20482,14 @@
         <p:nvCxnSpPr>
           <p:cNvPr id="79" name="Conector de Seta Reta 78"/>
           <p:cNvCxnSpPr>
-            <a:stCxn id="22" idx="2"/>
             <a:endCxn id="57" idx="0"/>
           </p:cNvCxnSpPr>
           <p:nvPr/>
         </p:nvCxnSpPr>
         <p:spPr>
           <a:xfrm>
-            <a:off x="6925945" y="2860040"/>
-            <a:ext cx="2036445" cy="1497330"/>
+            <a:off x="7943850" y="2859405"/>
+            <a:ext cx="1018540" cy="1497965"/>
           </a:xfrm>
           <a:prstGeom prst="straightConnector1">
             <a:avLst/>
